--- a/Rc카 만들기 프로젝트.pptx
+++ b/Rc카 만들기 프로젝트.pptx
@@ -15,6 +15,7 @@
     <p:sldId id="263" r:id="rId9"/>
     <p:sldId id="264" r:id="rId10"/>
     <p:sldId id="265" r:id="rId11"/>
+    <p:sldId id="266" r:id="rId12"/>
   </p:sldIdLst>
   <p:sldSz cx="12192000" cy="6858000"/>
   <p:notesSz cx="6858000" cy="9144000"/>
@@ -252,7 +253,7 @@
           <a:p>
             <a:fld id="{B210952A-261D-4BBD-B165-3126FEFAD8D3}" type="datetimeFigureOut">
               <a:rPr lang="ko-KR" altLang="en-US" smtClean="0"/>
-              <a:t>2021-12-11</a:t>
+              <a:t>2021-12-18</a:t>
             </a:fld>
             <a:endParaRPr lang="ko-KR" altLang="en-US"/>
           </a:p>
@@ -422,7 +423,7 @@
           <a:p>
             <a:fld id="{B210952A-261D-4BBD-B165-3126FEFAD8D3}" type="datetimeFigureOut">
               <a:rPr lang="ko-KR" altLang="en-US" smtClean="0"/>
-              <a:t>2021-12-11</a:t>
+              <a:t>2021-12-18</a:t>
             </a:fld>
             <a:endParaRPr lang="ko-KR" altLang="en-US"/>
           </a:p>
@@ -602,7 +603,7 @@
           <a:p>
             <a:fld id="{B210952A-261D-4BBD-B165-3126FEFAD8D3}" type="datetimeFigureOut">
               <a:rPr lang="ko-KR" altLang="en-US" smtClean="0"/>
-              <a:t>2021-12-11</a:t>
+              <a:t>2021-12-18</a:t>
             </a:fld>
             <a:endParaRPr lang="ko-KR" altLang="en-US"/>
           </a:p>
@@ -772,7 +773,7 @@
           <a:p>
             <a:fld id="{B210952A-261D-4BBD-B165-3126FEFAD8D3}" type="datetimeFigureOut">
               <a:rPr lang="ko-KR" altLang="en-US" smtClean="0"/>
-              <a:t>2021-12-11</a:t>
+              <a:t>2021-12-18</a:t>
             </a:fld>
             <a:endParaRPr lang="ko-KR" altLang="en-US"/>
           </a:p>
@@ -1018,7 +1019,7 @@
           <a:p>
             <a:fld id="{B210952A-261D-4BBD-B165-3126FEFAD8D3}" type="datetimeFigureOut">
               <a:rPr lang="ko-KR" altLang="en-US" smtClean="0"/>
-              <a:t>2021-12-11</a:t>
+              <a:t>2021-12-18</a:t>
             </a:fld>
             <a:endParaRPr lang="ko-KR" altLang="en-US"/>
           </a:p>
@@ -1250,7 +1251,7 @@
           <a:p>
             <a:fld id="{B210952A-261D-4BBD-B165-3126FEFAD8D3}" type="datetimeFigureOut">
               <a:rPr lang="ko-KR" altLang="en-US" smtClean="0"/>
-              <a:t>2021-12-11</a:t>
+              <a:t>2021-12-18</a:t>
             </a:fld>
             <a:endParaRPr lang="ko-KR" altLang="en-US"/>
           </a:p>
@@ -1617,7 +1618,7 @@
           <a:p>
             <a:fld id="{B210952A-261D-4BBD-B165-3126FEFAD8D3}" type="datetimeFigureOut">
               <a:rPr lang="ko-KR" altLang="en-US" smtClean="0"/>
-              <a:t>2021-12-11</a:t>
+              <a:t>2021-12-18</a:t>
             </a:fld>
             <a:endParaRPr lang="ko-KR" altLang="en-US"/>
           </a:p>
@@ -1735,7 +1736,7 @@
           <a:p>
             <a:fld id="{B210952A-261D-4BBD-B165-3126FEFAD8D3}" type="datetimeFigureOut">
               <a:rPr lang="ko-KR" altLang="en-US" smtClean="0"/>
-              <a:t>2021-12-11</a:t>
+              <a:t>2021-12-18</a:t>
             </a:fld>
             <a:endParaRPr lang="ko-KR" altLang="en-US"/>
           </a:p>
@@ -1830,7 +1831,7 @@
           <a:p>
             <a:fld id="{B210952A-261D-4BBD-B165-3126FEFAD8D3}" type="datetimeFigureOut">
               <a:rPr lang="ko-KR" altLang="en-US" smtClean="0"/>
-              <a:t>2021-12-11</a:t>
+              <a:t>2021-12-18</a:t>
             </a:fld>
             <a:endParaRPr lang="ko-KR" altLang="en-US"/>
           </a:p>
@@ -2107,7 +2108,7 @@
           <a:p>
             <a:fld id="{B210952A-261D-4BBD-B165-3126FEFAD8D3}" type="datetimeFigureOut">
               <a:rPr lang="ko-KR" altLang="en-US" smtClean="0"/>
-              <a:t>2021-12-11</a:t>
+              <a:t>2021-12-18</a:t>
             </a:fld>
             <a:endParaRPr lang="ko-KR" altLang="en-US"/>
           </a:p>
@@ -2360,7 +2361,7 @@
           <a:p>
             <a:fld id="{B210952A-261D-4BBD-B165-3126FEFAD8D3}" type="datetimeFigureOut">
               <a:rPr lang="ko-KR" altLang="en-US" smtClean="0"/>
-              <a:t>2021-12-11</a:t>
+              <a:t>2021-12-18</a:t>
             </a:fld>
             <a:endParaRPr lang="ko-KR" altLang="en-US"/>
           </a:p>
@@ -2573,7 +2574,7 @@
           <a:p>
             <a:fld id="{B210952A-261D-4BBD-B165-3126FEFAD8D3}" type="datetimeFigureOut">
               <a:rPr lang="ko-KR" altLang="en-US" smtClean="0"/>
-              <a:t>2021-12-11</a:t>
+              <a:t>2021-12-18</a:t>
             </a:fld>
             <a:endParaRPr lang="ko-KR" altLang="en-US"/>
           </a:p>
@@ -3128,6 +3129,168 @@
 </p:sld>
 </file>
 
+<file path=ppt/slides/slide11.xml><?xml version="1.0" encoding="utf-8"?>
+<p:sld xmlns:a="http://schemas.openxmlformats.org/drawingml/2006/main" xmlns:r="http://schemas.openxmlformats.org/officeDocument/2006/relationships" xmlns:p="http://schemas.openxmlformats.org/presentationml/2006/main">
+  <p:cSld>
+    <p:spTree>
+      <p:nvGrpSpPr>
+        <p:cNvPr id="1" name=""/>
+        <p:cNvGrpSpPr/>
+        <p:nvPr/>
+      </p:nvGrpSpPr>
+      <p:grpSpPr>
+        <a:xfrm>
+          <a:off x="0" y="0"/>
+          <a:ext cx="0" cy="0"/>
+          <a:chOff x="0" y="0"/>
+          <a:chExt cx="0" cy="0"/>
+        </a:xfrm>
+      </p:grpSpPr>
+      <p:sp>
+        <p:nvSpPr>
+          <p:cNvPr id="4" name="직사각형 3"/>
+          <p:cNvSpPr/>
+          <p:nvPr/>
+        </p:nvSpPr>
+        <p:spPr>
+          <a:xfrm>
+            <a:off x="1685278" y="2220345"/>
+            <a:ext cx="9005612" cy="2124401"/>
+          </a:xfrm>
+          <a:prstGeom prst="rect">
+            <a:avLst/>
+          </a:prstGeom>
+          <a:solidFill>
+            <a:schemeClr val="accent1"/>
+          </a:solidFill>
+          <a:ln w="38100">
+            <a:noFill/>
+          </a:ln>
+        </p:spPr>
+        <p:style>
+          <a:lnRef idx="2">
+            <a:schemeClr val="accent1">
+              <a:shade val="50000"/>
+            </a:schemeClr>
+          </a:lnRef>
+          <a:fillRef idx="1">
+            <a:schemeClr val="accent1"/>
+          </a:fillRef>
+          <a:effectRef idx="0">
+            <a:schemeClr val="accent1"/>
+          </a:effectRef>
+          <a:fontRef idx="minor">
+            <a:schemeClr val="lt1"/>
+          </a:fontRef>
+        </p:style>
+        <p:txBody>
+          <a:bodyPr rot="0" spcFirstLastPara="0" vertOverflow="overflow" horzOverflow="overflow" vert="horz" wrap="square" lIns="82940" tIns="41470" rIns="82940" bIns="41470" numCol="1" spcCol="0" rtlCol="0" fromWordArt="0" anchor="ctr" anchorCtr="0" forceAA="0" compatLnSpc="1">
+            <a:prstTxWarp prst="textNoShape">
+              <a:avLst/>
+            </a:prstTxWarp>
+            <a:noAutofit/>
+          </a:bodyPr>
+          <a:lstStyle/>
+          <a:p>
+            <a:pPr algn="ctr"/>
+            <a:endParaRPr lang="ko-KR" altLang="en-US" sz="2308"/>
+          </a:p>
+        </p:txBody>
+      </p:sp>
+      <p:sp>
+        <p:nvSpPr>
+          <p:cNvPr id="5" name="직사각형 4"/>
+          <p:cNvSpPr/>
+          <p:nvPr/>
+        </p:nvSpPr>
+        <p:spPr>
+          <a:xfrm rot="5400000">
+            <a:off x="3415085" y="949553"/>
+            <a:ext cx="623465" cy="1500935"/>
+          </a:xfrm>
+          <a:prstGeom prst="rect">
+            <a:avLst/>
+          </a:prstGeom>
+          <a:solidFill>
+            <a:schemeClr val="tx1"/>
+          </a:solidFill>
+          <a:ln w="38100">
+            <a:noFill/>
+          </a:ln>
+        </p:spPr>
+        <p:style>
+          <a:lnRef idx="2">
+            <a:schemeClr val="accent1">
+              <a:shade val="50000"/>
+            </a:schemeClr>
+          </a:lnRef>
+          <a:fillRef idx="1">
+            <a:schemeClr val="accent1"/>
+          </a:fillRef>
+          <a:effectRef idx="0">
+            <a:schemeClr val="accent1"/>
+          </a:effectRef>
+          <a:fontRef idx="minor">
+            <a:schemeClr val="lt1"/>
+          </a:fontRef>
+        </p:style>
+        <p:txBody>
+          <a:bodyPr rot="0" spcFirstLastPara="0" vertOverflow="overflow" horzOverflow="overflow" vert="horz" wrap="square" lIns="82940" tIns="41470" rIns="82940" bIns="41470" numCol="1" spcCol="0" rtlCol="0" fromWordArt="0" anchor="ctr" anchorCtr="0" forceAA="0" compatLnSpc="1">
+            <a:prstTxWarp prst="textNoShape">
+              <a:avLst/>
+            </a:prstTxWarp>
+            <a:noAutofit/>
+          </a:bodyPr>
+          <a:lstStyle/>
+          <a:p>
+            <a:pPr algn="ctr"/>
+            <a:endParaRPr lang="ko-KR" altLang="en-US" sz="2308"/>
+          </a:p>
+        </p:txBody>
+      </p:sp>
+      <p:cxnSp>
+        <p:nvCxnSpPr>
+          <p:cNvPr id="7" name="직선 연결선 6"/>
+          <p:cNvCxnSpPr/>
+          <p:nvPr/>
+        </p:nvCxnSpPr>
+        <p:spPr>
+          <a:xfrm>
+            <a:off x="1685278" y="2220345"/>
+            <a:ext cx="577283" cy="0"/>
+          </a:xfrm>
+          <a:prstGeom prst="line">
+            <a:avLst/>
+          </a:prstGeom>
+        </p:spPr>
+        <p:style>
+          <a:lnRef idx="1">
+            <a:schemeClr val="accent1"/>
+          </a:lnRef>
+          <a:fillRef idx="0">
+            <a:schemeClr val="accent1"/>
+          </a:fillRef>
+          <a:effectRef idx="0">
+            <a:schemeClr val="accent1"/>
+          </a:effectRef>
+          <a:fontRef idx="minor">
+            <a:schemeClr val="tx1"/>
+          </a:fontRef>
+        </p:style>
+      </p:cxnSp>
+    </p:spTree>
+    <p:extLst>
+      <p:ext uri="{BB962C8B-B14F-4D97-AF65-F5344CB8AC3E}">
+        <p14:creationId xmlns:p14="http://schemas.microsoft.com/office/powerpoint/2010/main" val="2983013133"/>
+      </p:ext>
+    </p:extLst>
+  </p:cSld>
+  <p:clrMapOvr>
+    <a:masterClrMapping/>
+  </p:clrMapOvr>
+</p:sld>
+</file>
+
 <file path=ppt/slides/slide2.xml><?xml version="1.0" encoding="utf-8"?>
 <p:sld xmlns:a="http://schemas.openxmlformats.org/drawingml/2006/main" xmlns:r="http://schemas.openxmlformats.org/officeDocument/2006/relationships" xmlns:p="http://schemas.openxmlformats.org/presentationml/2006/main">
   <p:cSld>
@@ -3382,6 +3545,14 @@
             <a:endParaRPr lang="ko-KR" altLang="en-US" b="1" dirty="0"/>
           </a:p>
           <a:p>
+            <a:r>
+              <a:rPr lang="ko-KR" altLang="en-US" dirty="0" smtClean="0"/>
+              <a:t>최대 입력 전압 </a:t>
+            </a:r>
+            <a:r>
+              <a:rPr lang="en-US" altLang="ko-KR" smtClean="0"/>
+              <a:t>: 9v</a:t>
+            </a:r>
             <a:endParaRPr lang="ko-KR" altLang="en-US" dirty="0"/>
           </a:p>
         </p:txBody>
@@ -3524,6 +3695,30 @@
           <a:xfrm>
             <a:off x="283625" y="4130005"/>
             <a:ext cx="5672496" cy="2598090"/>
+          </a:xfrm>
+          <a:prstGeom prst="rect">
+            <a:avLst/>
+          </a:prstGeom>
+        </p:spPr>
+      </p:pic>
+      <p:pic>
+        <p:nvPicPr>
+          <p:cNvPr id="6" name="그림 5"/>
+          <p:cNvPicPr>
+            <a:picLocks noChangeAspect="1"/>
+          </p:cNvPicPr>
+          <p:nvPr/>
+        </p:nvPicPr>
+        <p:blipFill>
+          <a:blip r:embed="rId4"/>
+          <a:stretch>
+            <a:fillRect/>
+          </a:stretch>
+        </p:blipFill>
+        <p:spPr>
+          <a:xfrm>
+            <a:off x="7470475" y="4648221"/>
+            <a:ext cx="3423946" cy="2305813"/>
           </a:xfrm>
           <a:prstGeom prst="rect">
             <a:avLst/>

--- a/Rc카 만들기 프로젝트.pptx
+++ b/Rc카 만들기 프로젝트.pptx
@@ -2,7 +2,7 @@
 <file path=ppt/presentation.xml><?xml version="1.0" encoding="utf-8"?>
 <p:presentation xmlns:a="http://schemas.openxmlformats.org/drawingml/2006/main" xmlns:r="http://schemas.openxmlformats.org/officeDocument/2006/relationships" xmlns:p="http://schemas.openxmlformats.org/presentationml/2006/main" saveSubsetFonts="1">
   <p:sldMasterIdLst>
-    <p:sldMasterId id="2147483648" r:id="rId1"/>
+    <p:sldMasterId id="2147483660" r:id="rId1"/>
   </p:sldMasterIdLst>
   <p:sldIdLst>
     <p:sldId id="256" r:id="rId2"/>
@@ -17,14 +17,14 @@
     <p:sldId id="265" r:id="rId11"/>
     <p:sldId id="266" r:id="rId12"/>
   </p:sldIdLst>
-  <p:sldSz cx="12192000" cy="6858000"/>
+  <p:sldSz cx="15119350" cy="10691813"/>
   <p:notesSz cx="6858000" cy="9144000"/>
   <p:defaultTextStyle>
     <a:defPPr>
       <a:defRPr lang="ko-KR"/>
     </a:defPPr>
-    <a:lvl1pPr marL="0" algn="l" defTabSz="914400" rtl="0" eaLnBrk="1" latinLnBrk="1" hangingPunct="1">
-      <a:defRPr sz="1800" kern="1200">
+    <a:lvl1pPr marL="0" algn="l" defTabSz="1238921" rtl="0" eaLnBrk="1" latinLnBrk="1" hangingPunct="1">
+      <a:defRPr sz="2439" kern="1200">
         <a:solidFill>
           <a:schemeClr val="tx1"/>
         </a:solidFill>
@@ -33,8 +33,8 @@
         <a:cs typeface="+mn-cs"/>
       </a:defRPr>
     </a:lvl1pPr>
-    <a:lvl2pPr marL="457200" algn="l" defTabSz="914400" rtl="0" eaLnBrk="1" latinLnBrk="1" hangingPunct="1">
-      <a:defRPr sz="1800" kern="1200">
+    <a:lvl2pPr marL="619460" algn="l" defTabSz="1238921" rtl="0" eaLnBrk="1" latinLnBrk="1" hangingPunct="1">
+      <a:defRPr sz="2439" kern="1200">
         <a:solidFill>
           <a:schemeClr val="tx1"/>
         </a:solidFill>
@@ -43,8 +43,8 @@
         <a:cs typeface="+mn-cs"/>
       </a:defRPr>
     </a:lvl2pPr>
-    <a:lvl3pPr marL="914400" algn="l" defTabSz="914400" rtl="0" eaLnBrk="1" latinLnBrk="1" hangingPunct="1">
-      <a:defRPr sz="1800" kern="1200">
+    <a:lvl3pPr marL="1238921" algn="l" defTabSz="1238921" rtl="0" eaLnBrk="1" latinLnBrk="1" hangingPunct="1">
+      <a:defRPr sz="2439" kern="1200">
         <a:solidFill>
           <a:schemeClr val="tx1"/>
         </a:solidFill>
@@ -53,8 +53,8 @@
         <a:cs typeface="+mn-cs"/>
       </a:defRPr>
     </a:lvl3pPr>
-    <a:lvl4pPr marL="1371600" algn="l" defTabSz="914400" rtl="0" eaLnBrk="1" latinLnBrk="1" hangingPunct="1">
-      <a:defRPr sz="1800" kern="1200">
+    <a:lvl4pPr marL="1858381" algn="l" defTabSz="1238921" rtl="0" eaLnBrk="1" latinLnBrk="1" hangingPunct="1">
+      <a:defRPr sz="2439" kern="1200">
         <a:solidFill>
           <a:schemeClr val="tx1"/>
         </a:solidFill>
@@ -63,8 +63,8 @@
         <a:cs typeface="+mn-cs"/>
       </a:defRPr>
     </a:lvl4pPr>
-    <a:lvl5pPr marL="1828800" algn="l" defTabSz="914400" rtl="0" eaLnBrk="1" latinLnBrk="1" hangingPunct="1">
-      <a:defRPr sz="1800" kern="1200">
+    <a:lvl5pPr marL="2477841" algn="l" defTabSz="1238921" rtl="0" eaLnBrk="1" latinLnBrk="1" hangingPunct="1">
+      <a:defRPr sz="2439" kern="1200">
         <a:solidFill>
           <a:schemeClr val="tx1"/>
         </a:solidFill>
@@ -73,8 +73,8 @@
         <a:cs typeface="+mn-cs"/>
       </a:defRPr>
     </a:lvl5pPr>
-    <a:lvl6pPr marL="2286000" algn="l" defTabSz="914400" rtl="0" eaLnBrk="1" latinLnBrk="1" hangingPunct="1">
-      <a:defRPr sz="1800" kern="1200">
+    <a:lvl6pPr marL="3097301" algn="l" defTabSz="1238921" rtl="0" eaLnBrk="1" latinLnBrk="1" hangingPunct="1">
+      <a:defRPr sz="2439" kern="1200">
         <a:solidFill>
           <a:schemeClr val="tx1"/>
         </a:solidFill>
@@ -83,8 +83,8 @@
         <a:cs typeface="+mn-cs"/>
       </a:defRPr>
     </a:lvl6pPr>
-    <a:lvl7pPr marL="2743200" algn="l" defTabSz="914400" rtl="0" eaLnBrk="1" latinLnBrk="1" hangingPunct="1">
-      <a:defRPr sz="1800" kern="1200">
+    <a:lvl7pPr marL="3716762" algn="l" defTabSz="1238921" rtl="0" eaLnBrk="1" latinLnBrk="1" hangingPunct="1">
+      <a:defRPr sz="2439" kern="1200">
         <a:solidFill>
           <a:schemeClr val="tx1"/>
         </a:solidFill>
@@ -93,8 +93,8 @@
         <a:cs typeface="+mn-cs"/>
       </a:defRPr>
     </a:lvl7pPr>
-    <a:lvl8pPr marL="3200400" algn="l" defTabSz="914400" rtl="0" eaLnBrk="1" latinLnBrk="1" hangingPunct="1">
-      <a:defRPr sz="1800" kern="1200">
+    <a:lvl8pPr marL="4336222" algn="l" defTabSz="1238921" rtl="0" eaLnBrk="1" latinLnBrk="1" hangingPunct="1">
+      <a:defRPr sz="2439" kern="1200">
         <a:solidFill>
           <a:schemeClr val="tx1"/>
         </a:solidFill>
@@ -103,8 +103,8 @@
         <a:cs typeface="+mn-cs"/>
       </a:defRPr>
     </a:lvl8pPr>
-    <a:lvl9pPr marL="3657600" algn="l" defTabSz="914400" rtl="0" eaLnBrk="1" latinLnBrk="1" hangingPunct="1">
-      <a:defRPr sz="1800" kern="1200">
+    <a:lvl9pPr marL="4955682" algn="l" defTabSz="1238921" rtl="0" eaLnBrk="1" latinLnBrk="1" hangingPunct="1">
+      <a:defRPr sz="2439" kern="1200">
         <a:solidFill>
           <a:schemeClr val="tx1"/>
         </a:solidFill>
@@ -141,7 +141,7 @@
       </p:grpSpPr>
       <p:sp>
         <p:nvSpPr>
-          <p:cNvPr id="2" name="제목 1"/>
+          <p:cNvPr id="2" name="Title 1"/>
           <p:cNvSpPr>
             <a:spLocks noGrp="1"/>
           </p:cNvSpPr>
@@ -151,15 +151,15 @@
         </p:nvSpPr>
         <p:spPr>
           <a:xfrm>
-            <a:off x="1524000" y="1122363"/>
-            <a:ext cx="9144000" cy="2387600"/>
+            <a:off x="1133951" y="1749795"/>
+            <a:ext cx="12851448" cy="3722335"/>
           </a:xfrm>
         </p:spPr>
         <p:txBody>
           <a:bodyPr anchor="b"/>
           <a:lstStyle>
             <a:lvl1pPr algn="ctr">
-              <a:defRPr sz="6000"/>
+              <a:defRPr sz="9354"/>
             </a:lvl1pPr>
           </a:lstStyle>
           <a:p>
@@ -167,13 +167,13 @@
               <a:rPr lang="ko-KR" altLang="en-US" smtClean="0"/>
               <a:t>마스터 제목 스타일 편집</a:t>
             </a:r>
-            <a:endParaRPr lang="ko-KR" altLang="en-US"/>
-          </a:p>
-        </p:txBody>
-      </p:sp>
-      <p:sp>
-        <p:nvSpPr>
-          <p:cNvPr id="3" name="부제목 2"/>
+            <a:endParaRPr lang="en-US" dirty="0"/>
+          </a:p>
+        </p:txBody>
+      </p:sp>
+      <p:sp>
+        <p:nvSpPr>
+          <p:cNvPr id="3" name="Subtitle 2"/>
           <p:cNvSpPr>
             <a:spLocks noGrp="1"/>
           </p:cNvSpPr>
@@ -183,8 +183,8 @@
         </p:nvSpPr>
         <p:spPr>
           <a:xfrm>
-            <a:off x="1524000" y="3602038"/>
-            <a:ext cx="9144000" cy="1655762"/>
+            <a:off x="1889919" y="5615678"/>
+            <a:ext cx="11339513" cy="2581379"/>
           </a:xfrm>
         </p:spPr>
         <p:txBody>
@@ -192,39 +192,39 @@
           <a:lstStyle>
             <a:lvl1pPr marL="0" indent="0" algn="ctr">
               <a:buNone/>
-              <a:defRPr sz="2400"/>
+              <a:defRPr sz="3742"/>
             </a:lvl1pPr>
-            <a:lvl2pPr marL="457200" indent="0" algn="ctr">
-              <a:buNone/>
-              <a:defRPr sz="2000"/>
+            <a:lvl2pPr marL="712775" indent="0" algn="ctr">
+              <a:buNone/>
+              <a:defRPr sz="3118"/>
             </a:lvl2pPr>
-            <a:lvl3pPr marL="914400" indent="0" algn="ctr">
-              <a:buNone/>
-              <a:defRPr sz="1800"/>
+            <a:lvl3pPr marL="1425550" indent="0" algn="ctr">
+              <a:buNone/>
+              <a:defRPr sz="2806"/>
             </a:lvl3pPr>
-            <a:lvl4pPr marL="1371600" indent="0" algn="ctr">
-              <a:buNone/>
-              <a:defRPr sz="1600"/>
+            <a:lvl4pPr marL="2138324" indent="0" algn="ctr">
+              <a:buNone/>
+              <a:defRPr sz="2494"/>
             </a:lvl4pPr>
-            <a:lvl5pPr marL="1828800" indent="0" algn="ctr">
-              <a:buNone/>
-              <a:defRPr sz="1600"/>
+            <a:lvl5pPr marL="2851099" indent="0" algn="ctr">
+              <a:buNone/>
+              <a:defRPr sz="2494"/>
             </a:lvl5pPr>
-            <a:lvl6pPr marL="2286000" indent="0" algn="ctr">
-              <a:buNone/>
-              <a:defRPr sz="1600"/>
+            <a:lvl6pPr marL="3563874" indent="0" algn="ctr">
+              <a:buNone/>
+              <a:defRPr sz="2494"/>
             </a:lvl6pPr>
-            <a:lvl7pPr marL="2743200" indent="0" algn="ctr">
-              <a:buNone/>
-              <a:defRPr sz="1600"/>
+            <a:lvl7pPr marL="4276649" indent="0" algn="ctr">
+              <a:buNone/>
+              <a:defRPr sz="2494"/>
             </a:lvl7pPr>
-            <a:lvl8pPr marL="3200400" indent="0" algn="ctr">
-              <a:buNone/>
-              <a:defRPr sz="1600"/>
+            <a:lvl8pPr marL="4989424" indent="0" algn="ctr">
+              <a:buNone/>
+              <a:defRPr sz="2494"/>
             </a:lvl8pPr>
-            <a:lvl9pPr marL="3657600" indent="0" algn="ctr">
-              <a:buNone/>
-              <a:defRPr sz="1600"/>
+            <a:lvl9pPr marL="5702198" indent="0" algn="ctr">
+              <a:buNone/>
+              <a:defRPr sz="2494"/>
             </a:lvl9pPr>
           </a:lstStyle>
           <a:p>
@@ -232,13 +232,13 @@
               <a:rPr lang="ko-KR" altLang="en-US" smtClean="0"/>
               <a:t>클릭하여 마스터 부제목 스타일 편집</a:t>
             </a:r>
-            <a:endParaRPr lang="ko-KR" altLang="en-US"/>
-          </a:p>
-        </p:txBody>
-      </p:sp>
-      <p:sp>
-        <p:nvSpPr>
-          <p:cNvPr id="4" name="날짜 개체 틀 3"/>
+            <a:endParaRPr lang="en-US" dirty="0"/>
+          </a:p>
+        </p:txBody>
+      </p:sp>
+      <p:sp>
+        <p:nvSpPr>
+          <p:cNvPr id="4" name="Date Placeholder 3"/>
           <p:cNvSpPr>
             <a:spLocks noGrp="1"/>
           </p:cNvSpPr>
@@ -253,7 +253,7 @@
           <a:p>
             <a:fld id="{B210952A-261D-4BBD-B165-3126FEFAD8D3}" type="datetimeFigureOut">
               <a:rPr lang="ko-KR" altLang="en-US" smtClean="0"/>
-              <a:t>2021-12-18</a:t>
+              <a:t>2021-12-19</a:t>
             </a:fld>
             <a:endParaRPr lang="ko-KR" altLang="en-US"/>
           </a:p>
@@ -261,7 +261,7 @@
       </p:sp>
       <p:sp>
         <p:nvSpPr>
-          <p:cNvPr id="5" name="바닥글 개체 틀 4"/>
+          <p:cNvPr id="5" name="Footer Placeholder 4"/>
           <p:cNvSpPr>
             <a:spLocks noGrp="1"/>
           </p:cNvSpPr>
@@ -280,7 +280,7 @@
       </p:sp>
       <p:sp>
         <p:nvSpPr>
-          <p:cNvPr id="6" name="슬라이드 번호 개체 틀 5"/>
+          <p:cNvPr id="6" name="Slide Number Placeholder 5"/>
           <p:cNvSpPr>
             <a:spLocks noGrp="1"/>
           </p:cNvSpPr>
@@ -304,7 +304,7 @@
     </p:spTree>
     <p:extLst>
       <p:ext uri="{BB962C8B-B14F-4D97-AF65-F5344CB8AC3E}">
-        <p14:creationId xmlns:p14="http://schemas.microsoft.com/office/powerpoint/2010/main" val="1772058154"/>
+        <p14:creationId xmlns:p14="http://schemas.microsoft.com/office/powerpoint/2010/main" val="3824025888"/>
       </p:ext>
     </p:extLst>
   </p:cSld>
@@ -333,7 +333,7 @@
       </p:grpSpPr>
       <p:sp>
         <p:nvSpPr>
-          <p:cNvPr id="2" name="제목 1"/>
+          <p:cNvPr id="2" name="Title 1"/>
           <p:cNvSpPr>
             <a:spLocks noGrp="1"/>
           </p:cNvSpPr>
@@ -350,13 +350,13 @@
               <a:rPr lang="ko-KR" altLang="en-US" smtClean="0"/>
               <a:t>마스터 제목 스타일 편집</a:t>
             </a:r>
-            <a:endParaRPr lang="ko-KR" altLang="en-US"/>
-          </a:p>
-        </p:txBody>
-      </p:sp>
-      <p:sp>
-        <p:nvSpPr>
-          <p:cNvPr id="3" name="세로 텍스트 개체 틀 2"/>
+            <a:endParaRPr lang="en-US" dirty="0"/>
+          </a:p>
+        </p:txBody>
+      </p:sp>
+      <p:sp>
+        <p:nvSpPr>
+          <p:cNvPr id="3" name="Vertical Text Placeholder 2"/>
           <p:cNvSpPr>
             <a:spLocks noGrp="1"/>
           </p:cNvSpPr>
@@ -402,13 +402,13 @@
               <a:rPr lang="ko-KR" altLang="en-US" smtClean="0"/>
               <a:t>다섯째 수준</a:t>
             </a:r>
-            <a:endParaRPr lang="ko-KR" altLang="en-US"/>
-          </a:p>
-        </p:txBody>
-      </p:sp>
-      <p:sp>
-        <p:nvSpPr>
-          <p:cNvPr id="4" name="날짜 개체 틀 3"/>
+            <a:endParaRPr lang="en-US" dirty="0"/>
+          </a:p>
+        </p:txBody>
+      </p:sp>
+      <p:sp>
+        <p:nvSpPr>
+          <p:cNvPr id="4" name="Date Placeholder 3"/>
           <p:cNvSpPr>
             <a:spLocks noGrp="1"/>
           </p:cNvSpPr>
@@ -423,7 +423,7 @@
           <a:p>
             <a:fld id="{B210952A-261D-4BBD-B165-3126FEFAD8D3}" type="datetimeFigureOut">
               <a:rPr lang="ko-KR" altLang="en-US" smtClean="0"/>
-              <a:t>2021-12-18</a:t>
+              <a:t>2021-12-19</a:t>
             </a:fld>
             <a:endParaRPr lang="ko-KR" altLang="en-US"/>
           </a:p>
@@ -431,7 +431,7 @@
       </p:sp>
       <p:sp>
         <p:nvSpPr>
-          <p:cNvPr id="5" name="바닥글 개체 틀 4"/>
+          <p:cNvPr id="5" name="Footer Placeholder 4"/>
           <p:cNvSpPr>
             <a:spLocks noGrp="1"/>
           </p:cNvSpPr>
@@ -450,7 +450,7 @@
       </p:sp>
       <p:sp>
         <p:nvSpPr>
-          <p:cNvPr id="6" name="슬라이드 번호 개체 틀 5"/>
+          <p:cNvPr id="6" name="Slide Number Placeholder 5"/>
           <p:cNvSpPr>
             <a:spLocks noGrp="1"/>
           </p:cNvSpPr>
@@ -474,7 +474,7 @@
     </p:spTree>
     <p:extLst>
       <p:ext uri="{BB962C8B-B14F-4D97-AF65-F5344CB8AC3E}">
-        <p14:creationId xmlns:p14="http://schemas.microsoft.com/office/powerpoint/2010/main" val="45791154"/>
+        <p14:creationId xmlns:p14="http://schemas.microsoft.com/office/powerpoint/2010/main" val="2530304783"/>
       </p:ext>
     </p:extLst>
   </p:cSld>
@@ -503,7 +503,7 @@
       </p:grpSpPr>
       <p:sp>
         <p:nvSpPr>
-          <p:cNvPr id="2" name="세로 제목 1"/>
+          <p:cNvPr id="2" name="Vertical Title 1"/>
           <p:cNvSpPr>
             <a:spLocks noGrp="1"/>
           </p:cNvSpPr>
@@ -513,8 +513,8 @@
         </p:nvSpPr>
         <p:spPr>
           <a:xfrm>
-            <a:off x="8724900" y="365125"/>
-            <a:ext cx="2628900" cy="5811838"/>
+            <a:off x="10819786" y="569240"/>
+            <a:ext cx="3260110" cy="9060817"/>
           </a:xfrm>
         </p:spPr>
         <p:txBody>
@@ -525,13 +525,13 @@
               <a:rPr lang="ko-KR" altLang="en-US" smtClean="0"/>
               <a:t>마스터 제목 스타일 편집</a:t>
             </a:r>
-            <a:endParaRPr lang="ko-KR" altLang="en-US"/>
-          </a:p>
-        </p:txBody>
-      </p:sp>
-      <p:sp>
-        <p:nvSpPr>
-          <p:cNvPr id="3" name="세로 텍스트 개체 틀 2"/>
+            <a:endParaRPr lang="en-US" dirty="0"/>
+          </a:p>
+        </p:txBody>
+      </p:sp>
+      <p:sp>
+        <p:nvSpPr>
+          <p:cNvPr id="3" name="Vertical Text Placeholder 2"/>
           <p:cNvSpPr>
             <a:spLocks noGrp="1"/>
           </p:cNvSpPr>
@@ -541,8 +541,8 @@
         </p:nvSpPr>
         <p:spPr>
           <a:xfrm>
-            <a:off x="838200" y="365125"/>
-            <a:ext cx="7734300" cy="5811838"/>
+            <a:off x="1039456" y="569240"/>
+            <a:ext cx="9591338" cy="9060817"/>
           </a:xfrm>
         </p:spPr>
         <p:txBody>
@@ -582,13 +582,13 @@
               <a:rPr lang="ko-KR" altLang="en-US" smtClean="0"/>
               <a:t>다섯째 수준</a:t>
             </a:r>
-            <a:endParaRPr lang="ko-KR" altLang="en-US"/>
-          </a:p>
-        </p:txBody>
-      </p:sp>
-      <p:sp>
-        <p:nvSpPr>
-          <p:cNvPr id="4" name="날짜 개체 틀 3"/>
+            <a:endParaRPr lang="en-US" dirty="0"/>
+          </a:p>
+        </p:txBody>
+      </p:sp>
+      <p:sp>
+        <p:nvSpPr>
+          <p:cNvPr id="4" name="Date Placeholder 3"/>
           <p:cNvSpPr>
             <a:spLocks noGrp="1"/>
           </p:cNvSpPr>
@@ -603,7 +603,7 @@
           <a:p>
             <a:fld id="{B210952A-261D-4BBD-B165-3126FEFAD8D3}" type="datetimeFigureOut">
               <a:rPr lang="ko-KR" altLang="en-US" smtClean="0"/>
-              <a:t>2021-12-18</a:t>
+              <a:t>2021-12-19</a:t>
             </a:fld>
             <a:endParaRPr lang="ko-KR" altLang="en-US"/>
           </a:p>
@@ -611,7 +611,7 @@
       </p:sp>
       <p:sp>
         <p:nvSpPr>
-          <p:cNvPr id="5" name="바닥글 개체 틀 4"/>
+          <p:cNvPr id="5" name="Footer Placeholder 4"/>
           <p:cNvSpPr>
             <a:spLocks noGrp="1"/>
           </p:cNvSpPr>
@@ -630,7 +630,7 @@
       </p:sp>
       <p:sp>
         <p:nvSpPr>
-          <p:cNvPr id="6" name="슬라이드 번호 개체 틀 5"/>
+          <p:cNvPr id="6" name="Slide Number Placeholder 5"/>
           <p:cNvSpPr>
             <a:spLocks noGrp="1"/>
           </p:cNvSpPr>
@@ -654,7 +654,7 @@
     </p:spTree>
     <p:extLst>
       <p:ext uri="{BB962C8B-B14F-4D97-AF65-F5344CB8AC3E}">
-        <p14:creationId xmlns:p14="http://schemas.microsoft.com/office/powerpoint/2010/main" val="2729934042"/>
+        <p14:creationId xmlns:p14="http://schemas.microsoft.com/office/powerpoint/2010/main" val="1693600991"/>
       </p:ext>
     </p:extLst>
   </p:cSld>
@@ -683,7 +683,7 @@
       </p:grpSpPr>
       <p:sp>
         <p:nvSpPr>
-          <p:cNvPr id="2" name="제목 1"/>
+          <p:cNvPr id="2" name="Title 1"/>
           <p:cNvSpPr>
             <a:spLocks noGrp="1"/>
           </p:cNvSpPr>
@@ -700,13 +700,13 @@
               <a:rPr lang="ko-KR" altLang="en-US" smtClean="0"/>
               <a:t>마스터 제목 스타일 편집</a:t>
             </a:r>
-            <a:endParaRPr lang="ko-KR" altLang="en-US"/>
-          </a:p>
-        </p:txBody>
-      </p:sp>
-      <p:sp>
-        <p:nvSpPr>
-          <p:cNvPr id="3" name="내용 개체 틀 2"/>
+            <a:endParaRPr lang="en-US" dirty="0"/>
+          </a:p>
+        </p:txBody>
+      </p:sp>
+      <p:sp>
+        <p:nvSpPr>
+          <p:cNvPr id="3" name="Content Placeholder 2"/>
           <p:cNvSpPr>
             <a:spLocks noGrp="1"/>
           </p:cNvSpPr>
@@ -752,13 +752,13 @@
               <a:rPr lang="ko-KR" altLang="en-US" smtClean="0"/>
               <a:t>다섯째 수준</a:t>
             </a:r>
-            <a:endParaRPr lang="ko-KR" altLang="en-US"/>
-          </a:p>
-        </p:txBody>
-      </p:sp>
-      <p:sp>
-        <p:nvSpPr>
-          <p:cNvPr id="4" name="날짜 개체 틀 3"/>
+            <a:endParaRPr lang="en-US" dirty="0"/>
+          </a:p>
+        </p:txBody>
+      </p:sp>
+      <p:sp>
+        <p:nvSpPr>
+          <p:cNvPr id="4" name="Date Placeholder 3"/>
           <p:cNvSpPr>
             <a:spLocks noGrp="1"/>
           </p:cNvSpPr>
@@ -773,7 +773,7 @@
           <a:p>
             <a:fld id="{B210952A-261D-4BBD-B165-3126FEFAD8D3}" type="datetimeFigureOut">
               <a:rPr lang="ko-KR" altLang="en-US" smtClean="0"/>
-              <a:t>2021-12-18</a:t>
+              <a:t>2021-12-19</a:t>
             </a:fld>
             <a:endParaRPr lang="ko-KR" altLang="en-US"/>
           </a:p>
@@ -781,7 +781,7 @@
       </p:sp>
       <p:sp>
         <p:nvSpPr>
-          <p:cNvPr id="5" name="바닥글 개체 틀 4"/>
+          <p:cNvPr id="5" name="Footer Placeholder 4"/>
           <p:cNvSpPr>
             <a:spLocks noGrp="1"/>
           </p:cNvSpPr>
@@ -800,7 +800,7 @@
       </p:sp>
       <p:sp>
         <p:nvSpPr>
-          <p:cNvPr id="6" name="슬라이드 번호 개체 틀 5"/>
+          <p:cNvPr id="6" name="Slide Number Placeholder 5"/>
           <p:cNvSpPr>
             <a:spLocks noGrp="1"/>
           </p:cNvSpPr>
@@ -824,7 +824,7 @@
     </p:spTree>
     <p:extLst>
       <p:ext uri="{BB962C8B-B14F-4D97-AF65-F5344CB8AC3E}">
-        <p14:creationId xmlns:p14="http://schemas.microsoft.com/office/powerpoint/2010/main" val="3732739157"/>
+        <p14:creationId xmlns:p14="http://schemas.microsoft.com/office/powerpoint/2010/main" val="621537754"/>
       </p:ext>
     </p:extLst>
   </p:cSld>
@@ -853,7 +853,7 @@
       </p:grpSpPr>
       <p:sp>
         <p:nvSpPr>
-          <p:cNvPr id="2" name="제목 1"/>
+          <p:cNvPr id="2" name="Title 1"/>
           <p:cNvSpPr>
             <a:spLocks noGrp="1"/>
           </p:cNvSpPr>
@@ -863,15 +863,15 @@
         </p:nvSpPr>
         <p:spPr>
           <a:xfrm>
-            <a:off x="831850" y="1709738"/>
-            <a:ext cx="10515600" cy="2852737"/>
+            <a:off x="1031582" y="2665532"/>
+            <a:ext cx="13040439" cy="4447496"/>
           </a:xfrm>
         </p:spPr>
         <p:txBody>
           <a:bodyPr anchor="b"/>
           <a:lstStyle>
             <a:lvl1pPr>
-              <a:defRPr sz="6000"/>
+              <a:defRPr sz="9354"/>
             </a:lvl1pPr>
           </a:lstStyle>
           <a:p>
@@ -879,13 +879,13 @@
               <a:rPr lang="ko-KR" altLang="en-US" smtClean="0"/>
               <a:t>마스터 제목 스타일 편집</a:t>
             </a:r>
-            <a:endParaRPr lang="ko-KR" altLang="en-US"/>
-          </a:p>
-        </p:txBody>
-      </p:sp>
-      <p:sp>
-        <p:nvSpPr>
-          <p:cNvPr id="3" name="텍스트 개체 틀 2"/>
+            <a:endParaRPr lang="en-US" dirty="0"/>
+          </a:p>
+        </p:txBody>
+      </p:sp>
+      <p:sp>
+        <p:nvSpPr>
+          <p:cNvPr id="3" name="Text Placeholder 2"/>
           <p:cNvSpPr>
             <a:spLocks noGrp="1"/>
           </p:cNvSpPr>
@@ -895,8 +895,8 @@
         </p:nvSpPr>
         <p:spPr>
           <a:xfrm>
-            <a:off x="831850" y="4589463"/>
-            <a:ext cx="10515600" cy="1500187"/>
+            <a:off x="1031582" y="7155103"/>
+            <a:ext cx="13040439" cy="2338833"/>
           </a:xfrm>
         </p:spPr>
         <p:txBody>
@@ -904,17 +904,15 @@
           <a:lstStyle>
             <a:lvl1pPr marL="0" indent="0">
               <a:buNone/>
-              <a:defRPr sz="2400">
+              <a:defRPr sz="3742">
                 <a:solidFill>
-                  <a:schemeClr val="tx1">
-                    <a:tint val="75000"/>
-                  </a:schemeClr>
+                  <a:schemeClr val="tx1"/>
                 </a:solidFill>
               </a:defRPr>
             </a:lvl1pPr>
-            <a:lvl2pPr marL="457200" indent="0">
-              <a:buNone/>
-              <a:defRPr sz="2000">
+            <a:lvl2pPr marL="712775" indent="0">
+              <a:buNone/>
+              <a:defRPr sz="3118">
                 <a:solidFill>
                   <a:schemeClr val="tx1">
                     <a:tint val="75000"/>
@@ -922,9 +920,9 @@
                 </a:solidFill>
               </a:defRPr>
             </a:lvl2pPr>
-            <a:lvl3pPr marL="914400" indent="0">
-              <a:buNone/>
-              <a:defRPr sz="1800">
+            <a:lvl3pPr marL="1425550" indent="0">
+              <a:buNone/>
+              <a:defRPr sz="2806">
                 <a:solidFill>
                   <a:schemeClr val="tx1">
                     <a:tint val="75000"/>
@@ -932,9 +930,9 @@
                 </a:solidFill>
               </a:defRPr>
             </a:lvl3pPr>
-            <a:lvl4pPr marL="1371600" indent="0">
-              <a:buNone/>
-              <a:defRPr sz="1600">
+            <a:lvl4pPr marL="2138324" indent="0">
+              <a:buNone/>
+              <a:defRPr sz="2494">
                 <a:solidFill>
                   <a:schemeClr val="tx1">
                     <a:tint val="75000"/>
@@ -942,9 +940,9 @@
                 </a:solidFill>
               </a:defRPr>
             </a:lvl4pPr>
-            <a:lvl5pPr marL="1828800" indent="0">
-              <a:buNone/>
-              <a:defRPr sz="1600">
+            <a:lvl5pPr marL="2851099" indent="0">
+              <a:buNone/>
+              <a:defRPr sz="2494">
                 <a:solidFill>
                   <a:schemeClr val="tx1">
                     <a:tint val="75000"/>
@@ -952,9 +950,9 @@
                 </a:solidFill>
               </a:defRPr>
             </a:lvl5pPr>
-            <a:lvl6pPr marL="2286000" indent="0">
-              <a:buNone/>
-              <a:defRPr sz="1600">
+            <a:lvl6pPr marL="3563874" indent="0">
+              <a:buNone/>
+              <a:defRPr sz="2494">
                 <a:solidFill>
                   <a:schemeClr val="tx1">
                     <a:tint val="75000"/>
@@ -962,9 +960,9 @@
                 </a:solidFill>
               </a:defRPr>
             </a:lvl6pPr>
-            <a:lvl7pPr marL="2743200" indent="0">
-              <a:buNone/>
-              <a:defRPr sz="1600">
+            <a:lvl7pPr marL="4276649" indent="0">
+              <a:buNone/>
+              <a:defRPr sz="2494">
                 <a:solidFill>
                   <a:schemeClr val="tx1">
                     <a:tint val="75000"/>
@@ -972,9 +970,9 @@
                 </a:solidFill>
               </a:defRPr>
             </a:lvl7pPr>
-            <a:lvl8pPr marL="3200400" indent="0">
-              <a:buNone/>
-              <a:defRPr sz="1600">
+            <a:lvl8pPr marL="4989424" indent="0">
+              <a:buNone/>
+              <a:defRPr sz="2494">
                 <a:solidFill>
                   <a:schemeClr val="tx1">
                     <a:tint val="75000"/>
@@ -982,9 +980,9 @@
                 </a:solidFill>
               </a:defRPr>
             </a:lvl8pPr>
-            <a:lvl9pPr marL="3657600" indent="0">
-              <a:buNone/>
-              <a:defRPr sz="1600">
+            <a:lvl9pPr marL="5702198" indent="0">
+              <a:buNone/>
+              <a:defRPr sz="2494">
                 <a:solidFill>
                   <a:schemeClr val="tx1">
                     <a:tint val="75000"/>
@@ -1004,7 +1002,7 @@
       </p:sp>
       <p:sp>
         <p:nvSpPr>
-          <p:cNvPr id="4" name="날짜 개체 틀 3"/>
+          <p:cNvPr id="4" name="Date Placeholder 3"/>
           <p:cNvSpPr>
             <a:spLocks noGrp="1"/>
           </p:cNvSpPr>
@@ -1019,7 +1017,7 @@
           <a:p>
             <a:fld id="{B210952A-261D-4BBD-B165-3126FEFAD8D3}" type="datetimeFigureOut">
               <a:rPr lang="ko-KR" altLang="en-US" smtClean="0"/>
-              <a:t>2021-12-18</a:t>
+              <a:t>2021-12-19</a:t>
             </a:fld>
             <a:endParaRPr lang="ko-KR" altLang="en-US"/>
           </a:p>
@@ -1027,7 +1025,7 @@
       </p:sp>
       <p:sp>
         <p:nvSpPr>
-          <p:cNvPr id="5" name="바닥글 개체 틀 4"/>
+          <p:cNvPr id="5" name="Footer Placeholder 4"/>
           <p:cNvSpPr>
             <a:spLocks noGrp="1"/>
           </p:cNvSpPr>
@@ -1046,7 +1044,7 @@
       </p:sp>
       <p:sp>
         <p:nvSpPr>
-          <p:cNvPr id="6" name="슬라이드 번호 개체 틀 5"/>
+          <p:cNvPr id="6" name="Slide Number Placeholder 5"/>
           <p:cNvSpPr>
             <a:spLocks noGrp="1"/>
           </p:cNvSpPr>
@@ -1070,7 +1068,7 @@
     </p:spTree>
     <p:extLst>
       <p:ext uri="{BB962C8B-B14F-4D97-AF65-F5344CB8AC3E}">
-        <p14:creationId xmlns:p14="http://schemas.microsoft.com/office/powerpoint/2010/main" val="210031129"/>
+        <p14:creationId xmlns:p14="http://schemas.microsoft.com/office/powerpoint/2010/main" val="3495608013"/>
       </p:ext>
     </p:extLst>
   </p:cSld>
@@ -1099,7 +1097,7 @@
       </p:grpSpPr>
       <p:sp>
         <p:nvSpPr>
-          <p:cNvPr id="2" name="제목 1"/>
+          <p:cNvPr id="2" name="Title 1"/>
           <p:cNvSpPr>
             <a:spLocks noGrp="1"/>
           </p:cNvSpPr>
@@ -1116,13 +1114,13 @@
               <a:rPr lang="ko-KR" altLang="en-US" smtClean="0"/>
               <a:t>마스터 제목 스타일 편집</a:t>
             </a:r>
-            <a:endParaRPr lang="ko-KR" altLang="en-US"/>
-          </a:p>
-        </p:txBody>
-      </p:sp>
-      <p:sp>
-        <p:nvSpPr>
-          <p:cNvPr id="3" name="내용 개체 틀 2"/>
+            <a:endParaRPr lang="en-US" dirty="0"/>
+          </a:p>
+        </p:txBody>
+      </p:sp>
+      <p:sp>
+        <p:nvSpPr>
+          <p:cNvPr id="3" name="Content Placeholder 2"/>
           <p:cNvSpPr>
             <a:spLocks noGrp="1"/>
           </p:cNvSpPr>
@@ -1132,8 +1130,8 @@
         </p:nvSpPr>
         <p:spPr>
           <a:xfrm>
-            <a:off x="838200" y="1825625"/>
-            <a:ext cx="5181600" cy="4351338"/>
+            <a:off x="1039455" y="2846200"/>
+            <a:ext cx="6425724" cy="6783857"/>
           </a:xfrm>
         </p:spPr>
         <p:txBody>
@@ -1173,13 +1171,13 @@
               <a:rPr lang="ko-KR" altLang="en-US" smtClean="0"/>
               <a:t>다섯째 수준</a:t>
             </a:r>
-            <a:endParaRPr lang="ko-KR" altLang="en-US"/>
-          </a:p>
-        </p:txBody>
-      </p:sp>
-      <p:sp>
-        <p:nvSpPr>
-          <p:cNvPr id="4" name="내용 개체 틀 3"/>
+            <a:endParaRPr lang="en-US" dirty="0"/>
+          </a:p>
+        </p:txBody>
+      </p:sp>
+      <p:sp>
+        <p:nvSpPr>
+          <p:cNvPr id="4" name="Content Placeholder 3"/>
           <p:cNvSpPr>
             <a:spLocks noGrp="1"/>
           </p:cNvSpPr>
@@ -1189,8 +1187,8 @@
         </p:nvSpPr>
         <p:spPr>
           <a:xfrm>
-            <a:off x="6172200" y="1825625"/>
-            <a:ext cx="5181600" cy="4351338"/>
+            <a:off x="7654171" y="2846200"/>
+            <a:ext cx="6425724" cy="6783857"/>
           </a:xfrm>
         </p:spPr>
         <p:txBody>
@@ -1230,13 +1228,13 @@
               <a:rPr lang="ko-KR" altLang="en-US" smtClean="0"/>
               <a:t>다섯째 수준</a:t>
             </a:r>
-            <a:endParaRPr lang="ko-KR" altLang="en-US"/>
-          </a:p>
-        </p:txBody>
-      </p:sp>
-      <p:sp>
-        <p:nvSpPr>
-          <p:cNvPr id="5" name="날짜 개체 틀 4"/>
+            <a:endParaRPr lang="en-US" dirty="0"/>
+          </a:p>
+        </p:txBody>
+      </p:sp>
+      <p:sp>
+        <p:nvSpPr>
+          <p:cNvPr id="5" name="Date Placeholder 4"/>
           <p:cNvSpPr>
             <a:spLocks noGrp="1"/>
           </p:cNvSpPr>
@@ -1251,7 +1249,7 @@
           <a:p>
             <a:fld id="{B210952A-261D-4BBD-B165-3126FEFAD8D3}" type="datetimeFigureOut">
               <a:rPr lang="ko-KR" altLang="en-US" smtClean="0"/>
-              <a:t>2021-12-18</a:t>
+              <a:t>2021-12-19</a:t>
             </a:fld>
             <a:endParaRPr lang="ko-KR" altLang="en-US"/>
           </a:p>
@@ -1259,7 +1257,7 @@
       </p:sp>
       <p:sp>
         <p:nvSpPr>
-          <p:cNvPr id="6" name="바닥글 개체 틀 5"/>
+          <p:cNvPr id="6" name="Footer Placeholder 5"/>
           <p:cNvSpPr>
             <a:spLocks noGrp="1"/>
           </p:cNvSpPr>
@@ -1278,7 +1276,7 @@
       </p:sp>
       <p:sp>
         <p:nvSpPr>
-          <p:cNvPr id="7" name="슬라이드 번호 개체 틀 6"/>
+          <p:cNvPr id="7" name="Slide Number Placeholder 6"/>
           <p:cNvSpPr>
             <a:spLocks noGrp="1"/>
           </p:cNvSpPr>
@@ -1302,7 +1300,7 @@
     </p:spTree>
     <p:extLst>
       <p:ext uri="{BB962C8B-B14F-4D97-AF65-F5344CB8AC3E}">
-        <p14:creationId xmlns:p14="http://schemas.microsoft.com/office/powerpoint/2010/main" val="871139725"/>
+        <p14:creationId xmlns:p14="http://schemas.microsoft.com/office/powerpoint/2010/main" val="1896949188"/>
       </p:ext>
     </p:extLst>
   </p:cSld>
@@ -1331,7 +1329,7 @@
       </p:grpSpPr>
       <p:sp>
         <p:nvSpPr>
-          <p:cNvPr id="2" name="제목 1"/>
+          <p:cNvPr id="2" name="Title 1"/>
           <p:cNvSpPr>
             <a:spLocks noGrp="1"/>
           </p:cNvSpPr>
@@ -1341,8 +1339,8 @@
         </p:nvSpPr>
         <p:spPr>
           <a:xfrm>
-            <a:off x="839788" y="365125"/>
-            <a:ext cx="10515600" cy="1325563"/>
+            <a:off x="1041425" y="569242"/>
+            <a:ext cx="13040439" cy="2066590"/>
           </a:xfrm>
         </p:spPr>
         <p:txBody>
@@ -1353,13 +1351,13 @@
               <a:rPr lang="ko-KR" altLang="en-US" smtClean="0"/>
               <a:t>마스터 제목 스타일 편집</a:t>
             </a:r>
-            <a:endParaRPr lang="ko-KR" altLang="en-US"/>
-          </a:p>
-        </p:txBody>
-      </p:sp>
-      <p:sp>
-        <p:nvSpPr>
-          <p:cNvPr id="3" name="텍스트 개체 틀 2"/>
+            <a:endParaRPr lang="en-US" dirty="0"/>
+          </a:p>
+        </p:txBody>
+      </p:sp>
+      <p:sp>
+        <p:nvSpPr>
+          <p:cNvPr id="3" name="Text Placeholder 2"/>
           <p:cNvSpPr>
             <a:spLocks noGrp="1"/>
           </p:cNvSpPr>
@@ -1369,8 +1367,8 @@
         </p:nvSpPr>
         <p:spPr>
           <a:xfrm>
-            <a:off x="839788" y="1681163"/>
-            <a:ext cx="5157787" cy="823912"/>
+            <a:off x="1041426" y="2620980"/>
+            <a:ext cx="6396193" cy="1284502"/>
           </a:xfrm>
         </p:spPr>
         <p:txBody>
@@ -1378,39 +1376,39 @@
           <a:lstStyle>
             <a:lvl1pPr marL="0" indent="0">
               <a:buNone/>
-              <a:defRPr sz="2400" b="1"/>
+              <a:defRPr sz="3742" b="1"/>
             </a:lvl1pPr>
-            <a:lvl2pPr marL="457200" indent="0">
-              <a:buNone/>
-              <a:defRPr sz="2000" b="1"/>
+            <a:lvl2pPr marL="712775" indent="0">
+              <a:buNone/>
+              <a:defRPr sz="3118" b="1"/>
             </a:lvl2pPr>
-            <a:lvl3pPr marL="914400" indent="0">
-              <a:buNone/>
-              <a:defRPr sz="1800" b="1"/>
+            <a:lvl3pPr marL="1425550" indent="0">
+              <a:buNone/>
+              <a:defRPr sz="2806" b="1"/>
             </a:lvl3pPr>
-            <a:lvl4pPr marL="1371600" indent="0">
-              <a:buNone/>
-              <a:defRPr sz="1600" b="1"/>
+            <a:lvl4pPr marL="2138324" indent="0">
+              <a:buNone/>
+              <a:defRPr sz="2494" b="1"/>
             </a:lvl4pPr>
-            <a:lvl5pPr marL="1828800" indent="0">
-              <a:buNone/>
-              <a:defRPr sz="1600" b="1"/>
+            <a:lvl5pPr marL="2851099" indent="0">
+              <a:buNone/>
+              <a:defRPr sz="2494" b="1"/>
             </a:lvl5pPr>
-            <a:lvl6pPr marL="2286000" indent="0">
-              <a:buNone/>
-              <a:defRPr sz="1600" b="1"/>
+            <a:lvl6pPr marL="3563874" indent="0">
+              <a:buNone/>
+              <a:defRPr sz="2494" b="1"/>
             </a:lvl6pPr>
-            <a:lvl7pPr marL="2743200" indent="0">
-              <a:buNone/>
-              <a:defRPr sz="1600" b="1"/>
+            <a:lvl7pPr marL="4276649" indent="0">
+              <a:buNone/>
+              <a:defRPr sz="2494" b="1"/>
             </a:lvl7pPr>
-            <a:lvl8pPr marL="3200400" indent="0">
-              <a:buNone/>
-              <a:defRPr sz="1600" b="1"/>
+            <a:lvl8pPr marL="4989424" indent="0">
+              <a:buNone/>
+              <a:defRPr sz="2494" b="1"/>
             </a:lvl8pPr>
-            <a:lvl9pPr marL="3657600" indent="0">
-              <a:buNone/>
-              <a:defRPr sz="1600" b="1"/>
+            <a:lvl9pPr marL="5702198" indent="0">
+              <a:buNone/>
+              <a:defRPr sz="2494" b="1"/>
             </a:lvl9pPr>
           </a:lstStyle>
           <a:p>
@@ -1424,7 +1422,7 @@
       </p:sp>
       <p:sp>
         <p:nvSpPr>
-          <p:cNvPr id="4" name="내용 개체 틀 3"/>
+          <p:cNvPr id="4" name="Content Placeholder 3"/>
           <p:cNvSpPr>
             <a:spLocks noGrp="1"/>
           </p:cNvSpPr>
@@ -1434,8 +1432,8 @@
         </p:nvSpPr>
         <p:spPr>
           <a:xfrm>
-            <a:off x="839788" y="2505075"/>
-            <a:ext cx="5157787" cy="3684588"/>
+            <a:off x="1041426" y="3905482"/>
+            <a:ext cx="6396193" cy="5744375"/>
           </a:xfrm>
         </p:spPr>
         <p:txBody>
@@ -1475,13 +1473,13 @@
               <a:rPr lang="ko-KR" altLang="en-US" smtClean="0"/>
               <a:t>다섯째 수준</a:t>
             </a:r>
-            <a:endParaRPr lang="ko-KR" altLang="en-US"/>
-          </a:p>
-        </p:txBody>
-      </p:sp>
-      <p:sp>
-        <p:nvSpPr>
-          <p:cNvPr id="5" name="텍스트 개체 틀 4"/>
+            <a:endParaRPr lang="en-US" dirty="0"/>
+          </a:p>
+        </p:txBody>
+      </p:sp>
+      <p:sp>
+        <p:nvSpPr>
+          <p:cNvPr id="5" name="Text Placeholder 4"/>
           <p:cNvSpPr>
             <a:spLocks noGrp="1"/>
           </p:cNvSpPr>
@@ -1491,8 +1489,8 @@
         </p:nvSpPr>
         <p:spPr>
           <a:xfrm>
-            <a:off x="6172200" y="1681163"/>
-            <a:ext cx="5183188" cy="823912"/>
+            <a:off x="7654172" y="2620980"/>
+            <a:ext cx="6427693" cy="1284502"/>
           </a:xfrm>
         </p:spPr>
         <p:txBody>
@@ -1500,39 +1498,39 @@
           <a:lstStyle>
             <a:lvl1pPr marL="0" indent="0">
               <a:buNone/>
-              <a:defRPr sz="2400" b="1"/>
+              <a:defRPr sz="3742" b="1"/>
             </a:lvl1pPr>
-            <a:lvl2pPr marL="457200" indent="0">
-              <a:buNone/>
-              <a:defRPr sz="2000" b="1"/>
+            <a:lvl2pPr marL="712775" indent="0">
+              <a:buNone/>
+              <a:defRPr sz="3118" b="1"/>
             </a:lvl2pPr>
-            <a:lvl3pPr marL="914400" indent="0">
-              <a:buNone/>
-              <a:defRPr sz="1800" b="1"/>
+            <a:lvl3pPr marL="1425550" indent="0">
+              <a:buNone/>
+              <a:defRPr sz="2806" b="1"/>
             </a:lvl3pPr>
-            <a:lvl4pPr marL="1371600" indent="0">
-              <a:buNone/>
-              <a:defRPr sz="1600" b="1"/>
+            <a:lvl4pPr marL="2138324" indent="0">
+              <a:buNone/>
+              <a:defRPr sz="2494" b="1"/>
             </a:lvl4pPr>
-            <a:lvl5pPr marL="1828800" indent="0">
-              <a:buNone/>
-              <a:defRPr sz="1600" b="1"/>
+            <a:lvl5pPr marL="2851099" indent="0">
+              <a:buNone/>
+              <a:defRPr sz="2494" b="1"/>
             </a:lvl5pPr>
-            <a:lvl6pPr marL="2286000" indent="0">
-              <a:buNone/>
-              <a:defRPr sz="1600" b="1"/>
+            <a:lvl6pPr marL="3563874" indent="0">
+              <a:buNone/>
+              <a:defRPr sz="2494" b="1"/>
             </a:lvl6pPr>
-            <a:lvl7pPr marL="2743200" indent="0">
-              <a:buNone/>
-              <a:defRPr sz="1600" b="1"/>
+            <a:lvl7pPr marL="4276649" indent="0">
+              <a:buNone/>
+              <a:defRPr sz="2494" b="1"/>
             </a:lvl7pPr>
-            <a:lvl8pPr marL="3200400" indent="0">
-              <a:buNone/>
-              <a:defRPr sz="1600" b="1"/>
+            <a:lvl8pPr marL="4989424" indent="0">
+              <a:buNone/>
+              <a:defRPr sz="2494" b="1"/>
             </a:lvl8pPr>
-            <a:lvl9pPr marL="3657600" indent="0">
-              <a:buNone/>
-              <a:defRPr sz="1600" b="1"/>
+            <a:lvl9pPr marL="5702198" indent="0">
+              <a:buNone/>
+              <a:defRPr sz="2494" b="1"/>
             </a:lvl9pPr>
           </a:lstStyle>
           <a:p>
@@ -1546,7 +1544,7 @@
       </p:sp>
       <p:sp>
         <p:nvSpPr>
-          <p:cNvPr id="6" name="내용 개체 틀 5"/>
+          <p:cNvPr id="6" name="Content Placeholder 5"/>
           <p:cNvSpPr>
             <a:spLocks noGrp="1"/>
           </p:cNvSpPr>
@@ -1556,8 +1554,8 @@
         </p:nvSpPr>
         <p:spPr>
           <a:xfrm>
-            <a:off x="6172200" y="2505075"/>
-            <a:ext cx="5183188" cy="3684588"/>
+            <a:off x="7654172" y="3905482"/>
+            <a:ext cx="6427693" cy="5744375"/>
           </a:xfrm>
         </p:spPr>
         <p:txBody>
@@ -1597,13 +1595,13 @@
               <a:rPr lang="ko-KR" altLang="en-US" smtClean="0"/>
               <a:t>다섯째 수준</a:t>
             </a:r>
-            <a:endParaRPr lang="ko-KR" altLang="en-US"/>
-          </a:p>
-        </p:txBody>
-      </p:sp>
-      <p:sp>
-        <p:nvSpPr>
-          <p:cNvPr id="7" name="날짜 개체 틀 6"/>
+            <a:endParaRPr lang="en-US" dirty="0"/>
+          </a:p>
+        </p:txBody>
+      </p:sp>
+      <p:sp>
+        <p:nvSpPr>
+          <p:cNvPr id="7" name="Date Placeholder 6"/>
           <p:cNvSpPr>
             <a:spLocks noGrp="1"/>
           </p:cNvSpPr>
@@ -1618,7 +1616,7 @@
           <a:p>
             <a:fld id="{B210952A-261D-4BBD-B165-3126FEFAD8D3}" type="datetimeFigureOut">
               <a:rPr lang="ko-KR" altLang="en-US" smtClean="0"/>
-              <a:t>2021-12-18</a:t>
+              <a:t>2021-12-19</a:t>
             </a:fld>
             <a:endParaRPr lang="ko-KR" altLang="en-US"/>
           </a:p>
@@ -1626,7 +1624,7 @@
       </p:sp>
       <p:sp>
         <p:nvSpPr>
-          <p:cNvPr id="8" name="바닥글 개체 틀 7"/>
+          <p:cNvPr id="8" name="Footer Placeholder 7"/>
           <p:cNvSpPr>
             <a:spLocks noGrp="1"/>
           </p:cNvSpPr>
@@ -1645,7 +1643,7 @@
       </p:sp>
       <p:sp>
         <p:nvSpPr>
-          <p:cNvPr id="9" name="슬라이드 번호 개체 틀 8"/>
+          <p:cNvPr id="9" name="Slide Number Placeholder 8"/>
           <p:cNvSpPr>
             <a:spLocks noGrp="1"/>
           </p:cNvSpPr>
@@ -1669,7 +1667,7 @@
     </p:spTree>
     <p:extLst>
       <p:ext uri="{BB962C8B-B14F-4D97-AF65-F5344CB8AC3E}">
-        <p14:creationId xmlns:p14="http://schemas.microsoft.com/office/powerpoint/2010/main" val="2549509631"/>
+        <p14:creationId xmlns:p14="http://schemas.microsoft.com/office/powerpoint/2010/main" val="3075019441"/>
       </p:ext>
     </p:extLst>
   </p:cSld>
@@ -1698,7 +1696,7 @@
       </p:grpSpPr>
       <p:sp>
         <p:nvSpPr>
-          <p:cNvPr id="2" name="제목 1"/>
+          <p:cNvPr id="2" name="Title 1"/>
           <p:cNvSpPr>
             <a:spLocks noGrp="1"/>
           </p:cNvSpPr>
@@ -1715,13 +1713,13 @@
               <a:rPr lang="ko-KR" altLang="en-US" smtClean="0"/>
               <a:t>마스터 제목 스타일 편집</a:t>
             </a:r>
-            <a:endParaRPr lang="ko-KR" altLang="en-US"/>
-          </a:p>
-        </p:txBody>
-      </p:sp>
-      <p:sp>
-        <p:nvSpPr>
-          <p:cNvPr id="3" name="날짜 개체 틀 2"/>
+            <a:endParaRPr lang="en-US" dirty="0"/>
+          </a:p>
+        </p:txBody>
+      </p:sp>
+      <p:sp>
+        <p:nvSpPr>
+          <p:cNvPr id="3" name="Date Placeholder 2"/>
           <p:cNvSpPr>
             <a:spLocks noGrp="1"/>
           </p:cNvSpPr>
@@ -1736,7 +1734,7 @@
           <a:p>
             <a:fld id="{B210952A-261D-4BBD-B165-3126FEFAD8D3}" type="datetimeFigureOut">
               <a:rPr lang="ko-KR" altLang="en-US" smtClean="0"/>
-              <a:t>2021-12-18</a:t>
+              <a:t>2021-12-19</a:t>
             </a:fld>
             <a:endParaRPr lang="ko-KR" altLang="en-US"/>
           </a:p>
@@ -1744,7 +1742,7 @@
       </p:sp>
       <p:sp>
         <p:nvSpPr>
-          <p:cNvPr id="4" name="바닥글 개체 틀 3"/>
+          <p:cNvPr id="4" name="Footer Placeholder 3"/>
           <p:cNvSpPr>
             <a:spLocks noGrp="1"/>
           </p:cNvSpPr>
@@ -1763,7 +1761,7 @@
       </p:sp>
       <p:sp>
         <p:nvSpPr>
-          <p:cNvPr id="5" name="슬라이드 번호 개체 틀 4"/>
+          <p:cNvPr id="5" name="Slide Number Placeholder 4"/>
           <p:cNvSpPr>
             <a:spLocks noGrp="1"/>
           </p:cNvSpPr>
@@ -1787,7 +1785,7 @@
     </p:spTree>
     <p:extLst>
       <p:ext uri="{BB962C8B-B14F-4D97-AF65-F5344CB8AC3E}">
-        <p14:creationId xmlns:p14="http://schemas.microsoft.com/office/powerpoint/2010/main" val="4026728157"/>
+        <p14:creationId xmlns:p14="http://schemas.microsoft.com/office/powerpoint/2010/main" val="4202447746"/>
       </p:ext>
     </p:extLst>
   </p:cSld>
@@ -1816,7 +1814,7 @@
       </p:grpSpPr>
       <p:sp>
         <p:nvSpPr>
-          <p:cNvPr id="2" name="날짜 개체 틀 1"/>
+          <p:cNvPr id="2" name="Date Placeholder 1"/>
           <p:cNvSpPr>
             <a:spLocks noGrp="1"/>
           </p:cNvSpPr>
@@ -1831,7 +1829,7 @@
           <a:p>
             <a:fld id="{B210952A-261D-4BBD-B165-3126FEFAD8D3}" type="datetimeFigureOut">
               <a:rPr lang="ko-KR" altLang="en-US" smtClean="0"/>
-              <a:t>2021-12-18</a:t>
+              <a:t>2021-12-19</a:t>
             </a:fld>
             <a:endParaRPr lang="ko-KR" altLang="en-US"/>
           </a:p>
@@ -1839,7 +1837,7 @@
       </p:sp>
       <p:sp>
         <p:nvSpPr>
-          <p:cNvPr id="3" name="바닥글 개체 틀 2"/>
+          <p:cNvPr id="3" name="Footer Placeholder 2"/>
           <p:cNvSpPr>
             <a:spLocks noGrp="1"/>
           </p:cNvSpPr>
@@ -1858,7 +1856,7 @@
       </p:sp>
       <p:sp>
         <p:nvSpPr>
-          <p:cNvPr id="4" name="슬라이드 번호 개체 틀 3"/>
+          <p:cNvPr id="4" name="Slide Number Placeholder 3"/>
           <p:cNvSpPr>
             <a:spLocks noGrp="1"/>
           </p:cNvSpPr>
@@ -1882,7 +1880,7 @@
     </p:spTree>
     <p:extLst>
       <p:ext uri="{BB962C8B-B14F-4D97-AF65-F5344CB8AC3E}">
-        <p14:creationId xmlns:p14="http://schemas.microsoft.com/office/powerpoint/2010/main" val="3041654206"/>
+        <p14:creationId xmlns:p14="http://schemas.microsoft.com/office/powerpoint/2010/main" val="1273317015"/>
       </p:ext>
     </p:extLst>
   </p:cSld>
@@ -1911,7 +1909,7 @@
       </p:grpSpPr>
       <p:sp>
         <p:nvSpPr>
-          <p:cNvPr id="2" name="제목 1"/>
+          <p:cNvPr id="2" name="Title 1"/>
           <p:cNvSpPr>
             <a:spLocks noGrp="1"/>
           </p:cNvSpPr>
@@ -1921,15 +1919,15 @@
         </p:nvSpPr>
         <p:spPr>
           <a:xfrm>
-            <a:off x="839788" y="457200"/>
-            <a:ext cx="3932237" cy="1600200"/>
+            <a:off x="1041425" y="712788"/>
+            <a:ext cx="4876384" cy="2494756"/>
           </a:xfrm>
         </p:spPr>
         <p:txBody>
           <a:bodyPr anchor="b"/>
           <a:lstStyle>
             <a:lvl1pPr>
-              <a:defRPr sz="3200"/>
+              <a:defRPr sz="4989"/>
             </a:lvl1pPr>
           </a:lstStyle>
           <a:p>
@@ -1937,13 +1935,13 @@
               <a:rPr lang="ko-KR" altLang="en-US" smtClean="0"/>
               <a:t>마스터 제목 스타일 편집</a:t>
             </a:r>
-            <a:endParaRPr lang="ko-KR" altLang="en-US"/>
-          </a:p>
-        </p:txBody>
-      </p:sp>
-      <p:sp>
-        <p:nvSpPr>
-          <p:cNvPr id="3" name="내용 개체 틀 2"/>
+            <a:endParaRPr lang="en-US" dirty="0"/>
+          </a:p>
+        </p:txBody>
+      </p:sp>
+      <p:sp>
+        <p:nvSpPr>
+          <p:cNvPr id="3" name="Content Placeholder 2"/>
           <p:cNvSpPr>
             <a:spLocks noGrp="1"/>
           </p:cNvSpPr>
@@ -1953,39 +1951,39 @@
         </p:nvSpPr>
         <p:spPr>
           <a:xfrm>
-            <a:off x="5183188" y="987425"/>
-            <a:ext cx="6172200" cy="4873625"/>
+            <a:off x="6427693" y="1539425"/>
+            <a:ext cx="7654171" cy="7598117"/>
           </a:xfrm>
         </p:spPr>
         <p:txBody>
           <a:bodyPr/>
           <a:lstStyle>
             <a:lvl1pPr>
-              <a:defRPr sz="3200"/>
+              <a:defRPr sz="4989"/>
             </a:lvl1pPr>
             <a:lvl2pPr>
-              <a:defRPr sz="2800"/>
+              <a:defRPr sz="4365"/>
             </a:lvl2pPr>
             <a:lvl3pPr>
-              <a:defRPr sz="2400"/>
+              <a:defRPr sz="3742"/>
             </a:lvl3pPr>
             <a:lvl4pPr>
-              <a:defRPr sz="2000"/>
+              <a:defRPr sz="3118"/>
             </a:lvl4pPr>
             <a:lvl5pPr>
-              <a:defRPr sz="2000"/>
+              <a:defRPr sz="3118"/>
             </a:lvl5pPr>
             <a:lvl6pPr>
-              <a:defRPr sz="2000"/>
+              <a:defRPr sz="3118"/>
             </a:lvl6pPr>
             <a:lvl7pPr>
-              <a:defRPr sz="2000"/>
+              <a:defRPr sz="3118"/>
             </a:lvl7pPr>
             <a:lvl8pPr>
-              <a:defRPr sz="2000"/>
+              <a:defRPr sz="3118"/>
             </a:lvl8pPr>
             <a:lvl9pPr>
-              <a:defRPr sz="2000"/>
+              <a:defRPr sz="3118"/>
             </a:lvl9pPr>
           </a:lstStyle>
           <a:p>
@@ -2022,13 +2020,13 @@
               <a:rPr lang="ko-KR" altLang="en-US" smtClean="0"/>
               <a:t>다섯째 수준</a:t>
             </a:r>
-            <a:endParaRPr lang="ko-KR" altLang="en-US"/>
-          </a:p>
-        </p:txBody>
-      </p:sp>
-      <p:sp>
-        <p:nvSpPr>
-          <p:cNvPr id="4" name="텍스트 개체 틀 3"/>
+            <a:endParaRPr lang="en-US" dirty="0"/>
+          </a:p>
+        </p:txBody>
+      </p:sp>
+      <p:sp>
+        <p:nvSpPr>
+          <p:cNvPr id="4" name="Text Placeholder 3"/>
           <p:cNvSpPr>
             <a:spLocks noGrp="1"/>
           </p:cNvSpPr>
@@ -2038,8 +2036,8 @@
         </p:nvSpPr>
         <p:spPr>
           <a:xfrm>
-            <a:off x="839788" y="2057400"/>
-            <a:ext cx="3932237" cy="3811588"/>
+            <a:off x="1041425" y="3207544"/>
+            <a:ext cx="4876384" cy="5942372"/>
           </a:xfrm>
         </p:spPr>
         <p:txBody>
@@ -2047,39 +2045,39 @@
           <a:lstStyle>
             <a:lvl1pPr marL="0" indent="0">
               <a:buNone/>
-              <a:defRPr sz="1600"/>
+              <a:defRPr sz="2494"/>
             </a:lvl1pPr>
-            <a:lvl2pPr marL="457200" indent="0">
-              <a:buNone/>
-              <a:defRPr sz="1400"/>
+            <a:lvl2pPr marL="712775" indent="0">
+              <a:buNone/>
+              <a:defRPr sz="2183"/>
             </a:lvl2pPr>
-            <a:lvl3pPr marL="914400" indent="0">
-              <a:buNone/>
-              <a:defRPr sz="1200"/>
+            <a:lvl3pPr marL="1425550" indent="0">
+              <a:buNone/>
+              <a:defRPr sz="1871"/>
             </a:lvl3pPr>
-            <a:lvl4pPr marL="1371600" indent="0">
-              <a:buNone/>
-              <a:defRPr sz="1000"/>
+            <a:lvl4pPr marL="2138324" indent="0">
+              <a:buNone/>
+              <a:defRPr sz="1559"/>
             </a:lvl4pPr>
-            <a:lvl5pPr marL="1828800" indent="0">
-              <a:buNone/>
-              <a:defRPr sz="1000"/>
+            <a:lvl5pPr marL="2851099" indent="0">
+              <a:buNone/>
+              <a:defRPr sz="1559"/>
             </a:lvl5pPr>
-            <a:lvl6pPr marL="2286000" indent="0">
-              <a:buNone/>
-              <a:defRPr sz="1000"/>
+            <a:lvl6pPr marL="3563874" indent="0">
+              <a:buNone/>
+              <a:defRPr sz="1559"/>
             </a:lvl6pPr>
-            <a:lvl7pPr marL="2743200" indent="0">
-              <a:buNone/>
-              <a:defRPr sz="1000"/>
+            <a:lvl7pPr marL="4276649" indent="0">
+              <a:buNone/>
+              <a:defRPr sz="1559"/>
             </a:lvl7pPr>
-            <a:lvl8pPr marL="3200400" indent="0">
-              <a:buNone/>
-              <a:defRPr sz="1000"/>
+            <a:lvl8pPr marL="4989424" indent="0">
+              <a:buNone/>
+              <a:defRPr sz="1559"/>
             </a:lvl8pPr>
-            <a:lvl9pPr marL="3657600" indent="0">
-              <a:buNone/>
-              <a:defRPr sz="1000"/>
+            <a:lvl9pPr marL="5702198" indent="0">
+              <a:buNone/>
+              <a:defRPr sz="1559"/>
             </a:lvl9pPr>
           </a:lstStyle>
           <a:p>
@@ -2093,7 +2091,7 @@
       </p:sp>
       <p:sp>
         <p:nvSpPr>
-          <p:cNvPr id="5" name="날짜 개체 틀 4"/>
+          <p:cNvPr id="5" name="Date Placeholder 4"/>
           <p:cNvSpPr>
             <a:spLocks noGrp="1"/>
           </p:cNvSpPr>
@@ -2108,7 +2106,7 @@
           <a:p>
             <a:fld id="{B210952A-261D-4BBD-B165-3126FEFAD8D3}" type="datetimeFigureOut">
               <a:rPr lang="ko-KR" altLang="en-US" smtClean="0"/>
-              <a:t>2021-12-18</a:t>
+              <a:t>2021-12-19</a:t>
             </a:fld>
             <a:endParaRPr lang="ko-KR" altLang="en-US"/>
           </a:p>
@@ -2116,7 +2114,7 @@
       </p:sp>
       <p:sp>
         <p:nvSpPr>
-          <p:cNvPr id="6" name="바닥글 개체 틀 5"/>
+          <p:cNvPr id="6" name="Footer Placeholder 5"/>
           <p:cNvSpPr>
             <a:spLocks noGrp="1"/>
           </p:cNvSpPr>
@@ -2135,7 +2133,7 @@
       </p:sp>
       <p:sp>
         <p:nvSpPr>
-          <p:cNvPr id="7" name="슬라이드 번호 개체 틀 6"/>
+          <p:cNvPr id="7" name="Slide Number Placeholder 6"/>
           <p:cNvSpPr>
             <a:spLocks noGrp="1"/>
           </p:cNvSpPr>
@@ -2159,7 +2157,7 @@
     </p:spTree>
     <p:extLst>
       <p:ext uri="{BB962C8B-B14F-4D97-AF65-F5344CB8AC3E}">
-        <p14:creationId xmlns:p14="http://schemas.microsoft.com/office/powerpoint/2010/main" val="3261862753"/>
+        <p14:creationId xmlns:p14="http://schemas.microsoft.com/office/powerpoint/2010/main" val="3006042061"/>
       </p:ext>
     </p:extLst>
   </p:cSld>
@@ -2188,7 +2186,7 @@
       </p:grpSpPr>
       <p:sp>
         <p:nvSpPr>
-          <p:cNvPr id="2" name="제목 1"/>
+          <p:cNvPr id="2" name="Title 1"/>
           <p:cNvSpPr>
             <a:spLocks noGrp="1"/>
           </p:cNvSpPr>
@@ -2198,15 +2196,15 @@
         </p:nvSpPr>
         <p:spPr>
           <a:xfrm>
-            <a:off x="839788" y="457200"/>
-            <a:ext cx="3932237" cy="1600200"/>
+            <a:off x="1041425" y="712788"/>
+            <a:ext cx="4876384" cy="2494756"/>
           </a:xfrm>
         </p:spPr>
         <p:txBody>
           <a:bodyPr anchor="b"/>
           <a:lstStyle>
             <a:lvl1pPr>
-              <a:defRPr sz="3200"/>
+              <a:defRPr sz="4989"/>
             </a:lvl1pPr>
           </a:lstStyle>
           <a:p>
@@ -2214,15 +2212,15 @@
               <a:rPr lang="ko-KR" altLang="en-US" smtClean="0"/>
               <a:t>마스터 제목 스타일 편집</a:t>
             </a:r>
-            <a:endParaRPr lang="ko-KR" altLang="en-US"/>
-          </a:p>
-        </p:txBody>
-      </p:sp>
-      <p:sp>
-        <p:nvSpPr>
-          <p:cNvPr id="3" name="그림 개체 틀 2"/>
-          <p:cNvSpPr>
-            <a:spLocks noGrp="1"/>
+            <a:endParaRPr lang="en-US" dirty="0"/>
+          </a:p>
+        </p:txBody>
+      </p:sp>
+      <p:sp>
+        <p:nvSpPr>
+          <p:cNvPr id="3" name="Picture Placeholder 2"/>
+          <p:cNvSpPr>
+            <a:spLocks noGrp="1" noChangeAspect="1"/>
           </p:cNvSpPr>
           <p:nvPr>
             <p:ph type="pic" idx="1"/>
@@ -2230,58 +2228,62 @@
         </p:nvSpPr>
         <p:spPr>
           <a:xfrm>
-            <a:off x="5183188" y="987425"/>
-            <a:ext cx="6172200" cy="4873625"/>
+            <a:off x="6427693" y="1539425"/>
+            <a:ext cx="7654171" cy="7598117"/>
           </a:xfrm>
         </p:spPr>
         <p:txBody>
-          <a:bodyPr/>
+          <a:bodyPr anchor="t"/>
           <a:lstStyle>
             <a:lvl1pPr marL="0" indent="0">
               <a:buNone/>
-              <a:defRPr sz="3200"/>
+              <a:defRPr sz="4989"/>
             </a:lvl1pPr>
-            <a:lvl2pPr marL="457200" indent="0">
-              <a:buNone/>
-              <a:defRPr sz="2800"/>
+            <a:lvl2pPr marL="712775" indent="0">
+              <a:buNone/>
+              <a:defRPr sz="4365"/>
             </a:lvl2pPr>
-            <a:lvl3pPr marL="914400" indent="0">
-              <a:buNone/>
-              <a:defRPr sz="2400"/>
+            <a:lvl3pPr marL="1425550" indent="0">
+              <a:buNone/>
+              <a:defRPr sz="3742"/>
             </a:lvl3pPr>
-            <a:lvl4pPr marL="1371600" indent="0">
-              <a:buNone/>
-              <a:defRPr sz="2000"/>
+            <a:lvl4pPr marL="2138324" indent="0">
+              <a:buNone/>
+              <a:defRPr sz="3118"/>
             </a:lvl4pPr>
-            <a:lvl5pPr marL="1828800" indent="0">
-              <a:buNone/>
-              <a:defRPr sz="2000"/>
+            <a:lvl5pPr marL="2851099" indent="0">
+              <a:buNone/>
+              <a:defRPr sz="3118"/>
             </a:lvl5pPr>
-            <a:lvl6pPr marL="2286000" indent="0">
-              <a:buNone/>
-              <a:defRPr sz="2000"/>
+            <a:lvl6pPr marL="3563874" indent="0">
+              <a:buNone/>
+              <a:defRPr sz="3118"/>
             </a:lvl6pPr>
-            <a:lvl7pPr marL="2743200" indent="0">
-              <a:buNone/>
-              <a:defRPr sz="2000"/>
+            <a:lvl7pPr marL="4276649" indent="0">
+              <a:buNone/>
+              <a:defRPr sz="3118"/>
             </a:lvl7pPr>
-            <a:lvl8pPr marL="3200400" indent="0">
-              <a:buNone/>
-              <a:defRPr sz="2000"/>
+            <a:lvl8pPr marL="4989424" indent="0">
+              <a:buNone/>
+              <a:defRPr sz="3118"/>
             </a:lvl8pPr>
-            <a:lvl9pPr marL="3657600" indent="0">
-              <a:buNone/>
-              <a:defRPr sz="2000"/>
+            <a:lvl9pPr marL="5702198" indent="0">
+              <a:buNone/>
+              <a:defRPr sz="3118"/>
             </a:lvl9pPr>
           </a:lstStyle>
           <a:p>
-            <a:endParaRPr lang="ko-KR" altLang="en-US"/>
-          </a:p>
-        </p:txBody>
-      </p:sp>
-      <p:sp>
-        <p:nvSpPr>
-          <p:cNvPr id="4" name="텍스트 개체 틀 3"/>
+            <a:r>
+              <a:rPr lang="ko-KR" altLang="en-US" smtClean="0"/>
+              <a:t>그림을 추가하려면 아이콘을 클릭하십시오</a:t>
+            </a:r>
+            <a:endParaRPr lang="en-US" dirty="0"/>
+          </a:p>
+        </p:txBody>
+      </p:sp>
+      <p:sp>
+        <p:nvSpPr>
+          <p:cNvPr id="4" name="Text Placeholder 3"/>
           <p:cNvSpPr>
             <a:spLocks noGrp="1"/>
           </p:cNvSpPr>
@@ -2291,8 +2293,8 @@
         </p:nvSpPr>
         <p:spPr>
           <a:xfrm>
-            <a:off x="839788" y="2057400"/>
-            <a:ext cx="3932237" cy="3811588"/>
+            <a:off x="1041425" y="3207544"/>
+            <a:ext cx="4876384" cy="5942372"/>
           </a:xfrm>
         </p:spPr>
         <p:txBody>
@@ -2300,39 +2302,39 @@
           <a:lstStyle>
             <a:lvl1pPr marL="0" indent="0">
               <a:buNone/>
-              <a:defRPr sz="1600"/>
+              <a:defRPr sz="2494"/>
             </a:lvl1pPr>
-            <a:lvl2pPr marL="457200" indent="0">
-              <a:buNone/>
-              <a:defRPr sz="1400"/>
+            <a:lvl2pPr marL="712775" indent="0">
+              <a:buNone/>
+              <a:defRPr sz="2183"/>
             </a:lvl2pPr>
-            <a:lvl3pPr marL="914400" indent="0">
-              <a:buNone/>
-              <a:defRPr sz="1200"/>
+            <a:lvl3pPr marL="1425550" indent="0">
+              <a:buNone/>
+              <a:defRPr sz="1871"/>
             </a:lvl3pPr>
-            <a:lvl4pPr marL="1371600" indent="0">
-              <a:buNone/>
-              <a:defRPr sz="1000"/>
+            <a:lvl4pPr marL="2138324" indent="0">
+              <a:buNone/>
+              <a:defRPr sz="1559"/>
             </a:lvl4pPr>
-            <a:lvl5pPr marL="1828800" indent="0">
-              <a:buNone/>
-              <a:defRPr sz="1000"/>
+            <a:lvl5pPr marL="2851099" indent="0">
+              <a:buNone/>
+              <a:defRPr sz="1559"/>
             </a:lvl5pPr>
-            <a:lvl6pPr marL="2286000" indent="0">
-              <a:buNone/>
-              <a:defRPr sz="1000"/>
+            <a:lvl6pPr marL="3563874" indent="0">
+              <a:buNone/>
+              <a:defRPr sz="1559"/>
             </a:lvl6pPr>
-            <a:lvl7pPr marL="2743200" indent="0">
-              <a:buNone/>
-              <a:defRPr sz="1000"/>
+            <a:lvl7pPr marL="4276649" indent="0">
+              <a:buNone/>
+              <a:defRPr sz="1559"/>
             </a:lvl7pPr>
-            <a:lvl8pPr marL="3200400" indent="0">
-              <a:buNone/>
-              <a:defRPr sz="1000"/>
+            <a:lvl8pPr marL="4989424" indent="0">
+              <a:buNone/>
+              <a:defRPr sz="1559"/>
             </a:lvl8pPr>
-            <a:lvl9pPr marL="3657600" indent="0">
-              <a:buNone/>
-              <a:defRPr sz="1000"/>
+            <a:lvl9pPr marL="5702198" indent="0">
+              <a:buNone/>
+              <a:defRPr sz="1559"/>
             </a:lvl9pPr>
           </a:lstStyle>
           <a:p>
@@ -2346,7 +2348,7 @@
       </p:sp>
       <p:sp>
         <p:nvSpPr>
-          <p:cNvPr id="5" name="날짜 개체 틀 4"/>
+          <p:cNvPr id="5" name="Date Placeholder 4"/>
           <p:cNvSpPr>
             <a:spLocks noGrp="1"/>
           </p:cNvSpPr>
@@ -2361,7 +2363,7 @@
           <a:p>
             <a:fld id="{B210952A-261D-4BBD-B165-3126FEFAD8D3}" type="datetimeFigureOut">
               <a:rPr lang="ko-KR" altLang="en-US" smtClean="0"/>
-              <a:t>2021-12-18</a:t>
+              <a:t>2021-12-19</a:t>
             </a:fld>
             <a:endParaRPr lang="ko-KR" altLang="en-US"/>
           </a:p>
@@ -2369,7 +2371,7 @@
       </p:sp>
       <p:sp>
         <p:nvSpPr>
-          <p:cNvPr id="6" name="바닥글 개체 틀 5"/>
+          <p:cNvPr id="6" name="Footer Placeholder 5"/>
           <p:cNvSpPr>
             <a:spLocks noGrp="1"/>
           </p:cNvSpPr>
@@ -2388,7 +2390,7 @@
       </p:sp>
       <p:sp>
         <p:nvSpPr>
-          <p:cNvPr id="7" name="슬라이드 번호 개체 틀 6"/>
+          <p:cNvPr id="7" name="Slide Number Placeholder 6"/>
           <p:cNvSpPr>
             <a:spLocks noGrp="1"/>
           </p:cNvSpPr>
@@ -2412,7 +2414,7 @@
     </p:spTree>
     <p:extLst>
       <p:ext uri="{BB962C8B-B14F-4D97-AF65-F5344CB8AC3E}">
-        <p14:creationId xmlns:p14="http://schemas.microsoft.com/office/powerpoint/2010/main" val="3813157475"/>
+        <p14:creationId xmlns:p14="http://schemas.microsoft.com/office/powerpoint/2010/main" val="440922744"/>
       </p:ext>
     </p:extLst>
   </p:cSld>
@@ -2446,7 +2448,7 @@
       </p:grpSpPr>
       <p:sp>
         <p:nvSpPr>
-          <p:cNvPr id="2" name="제목 개체 틀 1"/>
+          <p:cNvPr id="2" name="Title Placeholder 1"/>
           <p:cNvSpPr>
             <a:spLocks noGrp="1"/>
           </p:cNvSpPr>
@@ -2456,8 +2458,8 @@
         </p:nvSpPr>
         <p:spPr>
           <a:xfrm>
-            <a:off x="838200" y="365125"/>
-            <a:ext cx="10515600" cy="1325563"/>
+            <a:off x="1039456" y="569242"/>
+            <a:ext cx="13040439" cy="2066590"/>
           </a:xfrm>
           <a:prstGeom prst="rect">
             <a:avLst/>
@@ -2473,13 +2475,13 @@
               <a:rPr lang="ko-KR" altLang="en-US" smtClean="0"/>
               <a:t>마스터 제목 스타일 편집</a:t>
             </a:r>
-            <a:endParaRPr lang="ko-KR" altLang="en-US"/>
-          </a:p>
-        </p:txBody>
-      </p:sp>
-      <p:sp>
-        <p:nvSpPr>
-          <p:cNvPr id="3" name="텍스트 개체 틀 2"/>
+            <a:endParaRPr lang="en-US" dirty="0"/>
+          </a:p>
+        </p:txBody>
+      </p:sp>
+      <p:sp>
+        <p:nvSpPr>
+          <p:cNvPr id="3" name="Text Placeholder 2"/>
           <p:cNvSpPr>
             <a:spLocks noGrp="1"/>
           </p:cNvSpPr>
@@ -2489,8 +2491,8 @@
         </p:nvSpPr>
         <p:spPr>
           <a:xfrm>
-            <a:off x="838200" y="1825625"/>
-            <a:ext cx="10515600" cy="4351338"/>
+            <a:off x="1039456" y="2846200"/>
+            <a:ext cx="13040439" cy="6783857"/>
           </a:xfrm>
           <a:prstGeom prst="rect">
             <a:avLst/>
@@ -2535,13 +2537,13 @@
               <a:rPr lang="ko-KR" altLang="en-US" smtClean="0"/>
               <a:t>다섯째 수준</a:t>
             </a:r>
-            <a:endParaRPr lang="ko-KR" altLang="en-US"/>
-          </a:p>
-        </p:txBody>
-      </p:sp>
-      <p:sp>
-        <p:nvSpPr>
-          <p:cNvPr id="4" name="날짜 개체 틀 3"/>
+            <a:endParaRPr lang="en-US" dirty="0"/>
+          </a:p>
+        </p:txBody>
+      </p:sp>
+      <p:sp>
+        <p:nvSpPr>
+          <p:cNvPr id="4" name="Date Placeholder 3"/>
           <p:cNvSpPr>
             <a:spLocks noGrp="1"/>
           </p:cNvSpPr>
@@ -2551,8 +2553,8 @@
         </p:nvSpPr>
         <p:spPr>
           <a:xfrm>
-            <a:off x="838200" y="6356350"/>
-            <a:ext cx="2743200" cy="365125"/>
+            <a:off x="1039455" y="9909729"/>
+            <a:ext cx="3401854" cy="569240"/>
           </a:xfrm>
           <a:prstGeom prst="rect">
             <a:avLst/>
@@ -2562,7 +2564,7 @@
           <a:bodyPr vert="horz" lIns="91440" tIns="45720" rIns="91440" bIns="45720" rtlCol="0" anchor="ctr"/>
           <a:lstStyle>
             <a:lvl1pPr algn="l">
-              <a:defRPr sz="1200">
+              <a:defRPr sz="1871">
                 <a:solidFill>
                   <a:schemeClr val="tx1">
                     <a:tint val="75000"/>
@@ -2574,7 +2576,7 @@
           <a:p>
             <a:fld id="{B210952A-261D-4BBD-B165-3126FEFAD8D3}" type="datetimeFigureOut">
               <a:rPr lang="ko-KR" altLang="en-US" smtClean="0"/>
-              <a:t>2021-12-18</a:t>
+              <a:t>2021-12-19</a:t>
             </a:fld>
             <a:endParaRPr lang="ko-KR" altLang="en-US"/>
           </a:p>
@@ -2582,7 +2584,7 @@
       </p:sp>
       <p:sp>
         <p:nvSpPr>
-          <p:cNvPr id="5" name="바닥글 개체 틀 4"/>
+          <p:cNvPr id="5" name="Footer Placeholder 4"/>
           <p:cNvSpPr>
             <a:spLocks noGrp="1"/>
           </p:cNvSpPr>
@@ -2592,8 +2594,8 @@
         </p:nvSpPr>
         <p:spPr>
           <a:xfrm>
-            <a:off x="4038600" y="6356350"/>
-            <a:ext cx="4114800" cy="365125"/>
+            <a:off x="5008285" y="9909729"/>
+            <a:ext cx="5102781" cy="569240"/>
           </a:xfrm>
           <a:prstGeom prst="rect">
             <a:avLst/>
@@ -2603,7 +2605,7 @@
           <a:bodyPr vert="horz" lIns="91440" tIns="45720" rIns="91440" bIns="45720" rtlCol="0" anchor="ctr"/>
           <a:lstStyle>
             <a:lvl1pPr algn="ctr">
-              <a:defRPr sz="1200">
+              <a:defRPr sz="1871">
                 <a:solidFill>
                   <a:schemeClr val="tx1">
                     <a:tint val="75000"/>
@@ -2619,7 +2621,7 @@
       </p:sp>
       <p:sp>
         <p:nvSpPr>
-          <p:cNvPr id="6" name="슬라이드 번호 개체 틀 5"/>
+          <p:cNvPr id="6" name="Slide Number Placeholder 5"/>
           <p:cNvSpPr>
             <a:spLocks noGrp="1"/>
           </p:cNvSpPr>
@@ -2629,8 +2631,8 @@
         </p:nvSpPr>
         <p:spPr>
           <a:xfrm>
-            <a:off x="8610600" y="6356350"/>
-            <a:ext cx="2743200" cy="365125"/>
+            <a:off x="10678041" y="9909729"/>
+            <a:ext cx="3401854" cy="569240"/>
           </a:xfrm>
           <a:prstGeom prst="rect">
             <a:avLst/>
@@ -2640,7 +2642,7 @@
           <a:bodyPr vert="horz" lIns="91440" tIns="45720" rIns="91440" bIns="45720" rtlCol="0" anchor="ctr"/>
           <a:lstStyle>
             <a:lvl1pPr algn="r">
-              <a:defRPr sz="1200">
+              <a:defRPr sz="1871">
                 <a:solidFill>
                   <a:schemeClr val="tx1">
                     <a:tint val="75000"/>
@@ -2661,27 +2663,27 @@
     </p:spTree>
     <p:extLst>
       <p:ext uri="{BB962C8B-B14F-4D97-AF65-F5344CB8AC3E}">
-        <p14:creationId xmlns:p14="http://schemas.microsoft.com/office/powerpoint/2010/main" val="3584481783"/>
+        <p14:creationId xmlns:p14="http://schemas.microsoft.com/office/powerpoint/2010/main" val="1064918768"/>
       </p:ext>
     </p:extLst>
   </p:cSld>
   <p:clrMap bg1="lt1" tx1="dk1" bg2="lt2" tx2="dk2" accent1="accent1" accent2="accent2" accent3="accent3" accent4="accent4" accent5="accent5" accent6="accent6" hlink="hlink" folHlink="folHlink"/>
   <p:sldLayoutIdLst>
-    <p:sldLayoutId id="2147483649" r:id="rId1"/>
-    <p:sldLayoutId id="2147483650" r:id="rId2"/>
-    <p:sldLayoutId id="2147483651" r:id="rId3"/>
-    <p:sldLayoutId id="2147483652" r:id="rId4"/>
-    <p:sldLayoutId id="2147483653" r:id="rId5"/>
-    <p:sldLayoutId id="2147483654" r:id="rId6"/>
-    <p:sldLayoutId id="2147483655" r:id="rId7"/>
-    <p:sldLayoutId id="2147483656" r:id="rId8"/>
-    <p:sldLayoutId id="2147483657" r:id="rId9"/>
-    <p:sldLayoutId id="2147483658" r:id="rId10"/>
-    <p:sldLayoutId id="2147483659" r:id="rId11"/>
+    <p:sldLayoutId id="2147483661" r:id="rId1"/>
+    <p:sldLayoutId id="2147483662" r:id="rId2"/>
+    <p:sldLayoutId id="2147483663" r:id="rId3"/>
+    <p:sldLayoutId id="2147483664" r:id="rId4"/>
+    <p:sldLayoutId id="2147483665" r:id="rId5"/>
+    <p:sldLayoutId id="2147483666" r:id="rId6"/>
+    <p:sldLayoutId id="2147483667" r:id="rId7"/>
+    <p:sldLayoutId id="2147483668" r:id="rId8"/>
+    <p:sldLayoutId id="2147483669" r:id="rId9"/>
+    <p:sldLayoutId id="2147483670" r:id="rId10"/>
+    <p:sldLayoutId id="2147483671" r:id="rId11"/>
   </p:sldLayoutIdLst>
   <p:txStyles>
     <p:titleStyle>
-      <a:lvl1pPr algn="l" defTabSz="914400" rtl="0" eaLnBrk="1" latinLnBrk="1" hangingPunct="1">
+      <a:lvl1pPr algn="l" defTabSz="1425550" rtl="0" eaLnBrk="1" latinLnBrk="1" hangingPunct="1">
         <a:lnSpc>
           <a:spcPct val="90000"/>
         </a:lnSpc>
@@ -2689,7 +2691,7 @@
           <a:spcPct val="0"/>
         </a:spcBef>
         <a:buNone/>
-        <a:defRPr sz="4400" kern="1200">
+        <a:defRPr sz="6860" kern="1200">
           <a:solidFill>
             <a:schemeClr val="tx1"/>
           </a:solidFill>
@@ -2700,16 +2702,16 @@
       </a:lvl1pPr>
     </p:titleStyle>
     <p:bodyStyle>
-      <a:lvl1pPr marL="228600" indent="-228600" algn="l" defTabSz="914400" rtl="0" eaLnBrk="1" latinLnBrk="1" hangingPunct="1">
+      <a:lvl1pPr marL="356387" indent="-356387" algn="l" defTabSz="1425550" rtl="0" eaLnBrk="1" latinLnBrk="1" hangingPunct="1">
         <a:lnSpc>
           <a:spcPct val="90000"/>
         </a:lnSpc>
         <a:spcBef>
-          <a:spcPts val="1000"/>
+          <a:spcPts val="1559"/>
         </a:spcBef>
         <a:buFont typeface="Arial" panose="020B0604020202020204" pitchFamily="34" charset="0"/>
         <a:buChar char="•"/>
-        <a:defRPr sz="2800" kern="1200">
+        <a:defRPr sz="4365" kern="1200">
           <a:solidFill>
             <a:schemeClr val="tx1"/>
           </a:solidFill>
@@ -2718,16 +2720,16 @@
           <a:cs typeface="+mn-cs"/>
         </a:defRPr>
       </a:lvl1pPr>
-      <a:lvl2pPr marL="685800" indent="-228600" algn="l" defTabSz="914400" rtl="0" eaLnBrk="1" latinLnBrk="1" hangingPunct="1">
+      <a:lvl2pPr marL="1069162" indent="-356387" algn="l" defTabSz="1425550" rtl="0" eaLnBrk="1" latinLnBrk="1" hangingPunct="1">
         <a:lnSpc>
           <a:spcPct val="90000"/>
         </a:lnSpc>
         <a:spcBef>
-          <a:spcPts val="500"/>
+          <a:spcPts val="780"/>
         </a:spcBef>
         <a:buFont typeface="Arial" panose="020B0604020202020204" pitchFamily="34" charset="0"/>
         <a:buChar char="•"/>
-        <a:defRPr sz="2400" kern="1200">
+        <a:defRPr sz="3742" kern="1200">
           <a:solidFill>
             <a:schemeClr val="tx1"/>
           </a:solidFill>
@@ -2736,16 +2738,16 @@
           <a:cs typeface="+mn-cs"/>
         </a:defRPr>
       </a:lvl2pPr>
-      <a:lvl3pPr marL="1143000" indent="-228600" algn="l" defTabSz="914400" rtl="0" eaLnBrk="1" latinLnBrk="1" hangingPunct="1">
+      <a:lvl3pPr marL="1781937" indent="-356387" algn="l" defTabSz="1425550" rtl="0" eaLnBrk="1" latinLnBrk="1" hangingPunct="1">
         <a:lnSpc>
           <a:spcPct val="90000"/>
         </a:lnSpc>
         <a:spcBef>
-          <a:spcPts val="500"/>
+          <a:spcPts val="780"/>
         </a:spcBef>
         <a:buFont typeface="Arial" panose="020B0604020202020204" pitchFamily="34" charset="0"/>
         <a:buChar char="•"/>
-        <a:defRPr sz="2000" kern="1200">
+        <a:defRPr sz="3118" kern="1200">
           <a:solidFill>
             <a:schemeClr val="tx1"/>
           </a:solidFill>
@@ -2754,16 +2756,16 @@
           <a:cs typeface="+mn-cs"/>
         </a:defRPr>
       </a:lvl3pPr>
-      <a:lvl4pPr marL="1600200" indent="-228600" algn="l" defTabSz="914400" rtl="0" eaLnBrk="1" latinLnBrk="1" hangingPunct="1">
+      <a:lvl4pPr marL="2494712" indent="-356387" algn="l" defTabSz="1425550" rtl="0" eaLnBrk="1" latinLnBrk="1" hangingPunct="1">
         <a:lnSpc>
           <a:spcPct val="90000"/>
         </a:lnSpc>
         <a:spcBef>
-          <a:spcPts val="500"/>
+          <a:spcPts val="780"/>
         </a:spcBef>
         <a:buFont typeface="Arial" panose="020B0604020202020204" pitchFamily="34" charset="0"/>
         <a:buChar char="•"/>
-        <a:defRPr sz="1800" kern="1200">
+        <a:defRPr sz="2806" kern="1200">
           <a:solidFill>
             <a:schemeClr val="tx1"/>
           </a:solidFill>
@@ -2772,16 +2774,16 @@
           <a:cs typeface="+mn-cs"/>
         </a:defRPr>
       </a:lvl4pPr>
-      <a:lvl5pPr marL="2057400" indent="-228600" algn="l" defTabSz="914400" rtl="0" eaLnBrk="1" latinLnBrk="1" hangingPunct="1">
+      <a:lvl5pPr marL="3207487" indent="-356387" algn="l" defTabSz="1425550" rtl="0" eaLnBrk="1" latinLnBrk="1" hangingPunct="1">
         <a:lnSpc>
           <a:spcPct val="90000"/>
         </a:lnSpc>
         <a:spcBef>
-          <a:spcPts val="500"/>
+          <a:spcPts val="780"/>
         </a:spcBef>
         <a:buFont typeface="Arial" panose="020B0604020202020204" pitchFamily="34" charset="0"/>
         <a:buChar char="•"/>
-        <a:defRPr sz="1800" kern="1200">
+        <a:defRPr sz="2806" kern="1200">
           <a:solidFill>
             <a:schemeClr val="tx1"/>
           </a:solidFill>
@@ -2790,16 +2792,16 @@
           <a:cs typeface="+mn-cs"/>
         </a:defRPr>
       </a:lvl5pPr>
-      <a:lvl6pPr marL="2514600" indent="-228600" algn="l" defTabSz="914400" rtl="0" eaLnBrk="1" latinLnBrk="1" hangingPunct="1">
+      <a:lvl6pPr marL="3920261" indent="-356387" algn="l" defTabSz="1425550" rtl="0" eaLnBrk="1" latinLnBrk="1" hangingPunct="1">
         <a:lnSpc>
           <a:spcPct val="90000"/>
         </a:lnSpc>
         <a:spcBef>
-          <a:spcPts val="500"/>
+          <a:spcPts val="780"/>
         </a:spcBef>
         <a:buFont typeface="Arial" panose="020B0604020202020204" pitchFamily="34" charset="0"/>
         <a:buChar char="•"/>
-        <a:defRPr sz="1800" kern="1200">
+        <a:defRPr sz="2806" kern="1200">
           <a:solidFill>
             <a:schemeClr val="tx1"/>
           </a:solidFill>
@@ -2808,16 +2810,16 @@
           <a:cs typeface="+mn-cs"/>
         </a:defRPr>
       </a:lvl6pPr>
-      <a:lvl7pPr marL="2971800" indent="-228600" algn="l" defTabSz="914400" rtl="0" eaLnBrk="1" latinLnBrk="1" hangingPunct="1">
+      <a:lvl7pPr marL="4633036" indent="-356387" algn="l" defTabSz="1425550" rtl="0" eaLnBrk="1" latinLnBrk="1" hangingPunct="1">
         <a:lnSpc>
           <a:spcPct val="90000"/>
         </a:lnSpc>
         <a:spcBef>
-          <a:spcPts val="500"/>
+          <a:spcPts val="780"/>
         </a:spcBef>
         <a:buFont typeface="Arial" panose="020B0604020202020204" pitchFamily="34" charset="0"/>
         <a:buChar char="•"/>
-        <a:defRPr sz="1800" kern="1200">
+        <a:defRPr sz="2806" kern="1200">
           <a:solidFill>
             <a:schemeClr val="tx1"/>
           </a:solidFill>
@@ -2826,16 +2828,16 @@
           <a:cs typeface="+mn-cs"/>
         </a:defRPr>
       </a:lvl7pPr>
-      <a:lvl8pPr marL="3429000" indent="-228600" algn="l" defTabSz="914400" rtl="0" eaLnBrk="1" latinLnBrk="1" hangingPunct="1">
+      <a:lvl8pPr marL="5345811" indent="-356387" algn="l" defTabSz="1425550" rtl="0" eaLnBrk="1" latinLnBrk="1" hangingPunct="1">
         <a:lnSpc>
           <a:spcPct val="90000"/>
         </a:lnSpc>
         <a:spcBef>
-          <a:spcPts val="500"/>
+          <a:spcPts val="780"/>
         </a:spcBef>
         <a:buFont typeface="Arial" panose="020B0604020202020204" pitchFamily="34" charset="0"/>
         <a:buChar char="•"/>
-        <a:defRPr sz="1800" kern="1200">
+        <a:defRPr sz="2806" kern="1200">
           <a:solidFill>
             <a:schemeClr val="tx1"/>
           </a:solidFill>
@@ -2844,16 +2846,16 @@
           <a:cs typeface="+mn-cs"/>
         </a:defRPr>
       </a:lvl8pPr>
-      <a:lvl9pPr marL="3886200" indent="-228600" algn="l" defTabSz="914400" rtl="0" eaLnBrk="1" latinLnBrk="1" hangingPunct="1">
+      <a:lvl9pPr marL="6058586" indent="-356387" algn="l" defTabSz="1425550" rtl="0" eaLnBrk="1" latinLnBrk="1" hangingPunct="1">
         <a:lnSpc>
           <a:spcPct val="90000"/>
         </a:lnSpc>
         <a:spcBef>
-          <a:spcPts val="500"/>
+          <a:spcPts val="780"/>
         </a:spcBef>
         <a:buFont typeface="Arial" panose="020B0604020202020204" pitchFamily="34" charset="0"/>
         <a:buChar char="•"/>
-        <a:defRPr sz="1800" kern="1200">
+        <a:defRPr sz="2806" kern="1200">
           <a:solidFill>
             <a:schemeClr val="tx1"/>
           </a:solidFill>
@@ -2865,10 +2867,10 @@
     </p:bodyStyle>
     <p:otherStyle>
       <a:defPPr>
-        <a:defRPr lang="ko-KR"/>
+        <a:defRPr lang="en-US"/>
       </a:defPPr>
-      <a:lvl1pPr marL="0" algn="l" defTabSz="914400" rtl="0" eaLnBrk="1" latinLnBrk="1" hangingPunct="1">
-        <a:defRPr sz="1800" kern="1200">
+      <a:lvl1pPr marL="0" algn="l" defTabSz="1425550" rtl="0" eaLnBrk="1" latinLnBrk="1" hangingPunct="1">
+        <a:defRPr sz="2806" kern="1200">
           <a:solidFill>
             <a:schemeClr val="tx1"/>
           </a:solidFill>
@@ -2877,8 +2879,8 @@
           <a:cs typeface="+mn-cs"/>
         </a:defRPr>
       </a:lvl1pPr>
-      <a:lvl2pPr marL="457200" algn="l" defTabSz="914400" rtl="0" eaLnBrk="1" latinLnBrk="1" hangingPunct="1">
-        <a:defRPr sz="1800" kern="1200">
+      <a:lvl2pPr marL="712775" algn="l" defTabSz="1425550" rtl="0" eaLnBrk="1" latinLnBrk="1" hangingPunct="1">
+        <a:defRPr sz="2806" kern="1200">
           <a:solidFill>
             <a:schemeClr val="tx1"/>
           </a:solidFill>
@@ -2887,8 +2889,8 @@
           <a:cs typeface="+mn-cs"/>
         </a:defRPr>
       </a:lvl2pPr>
-      <a:lvl3pPr marL="914400" algn="l" defTabSz="914400" rtl="0" eaLnBrk="1" latinLnBrk="1" hangingPunct="1">
-        <a:defRPr sz="1800" kern="1200">
+      <a:lvl3pPr marL="1425550" algn="l" defTabSz="1425550" rtl="0" eaLnBrk="1" latinLnBrk="1" hangingPunct="1">
+        <a:defRPr sz="2806" kern="1200">
           <a:solidFill>
             <a:schemeClr val="tx1"/>
           </a:solidFill>
@@ -2897,8 +2899,8 @@
           <a:cs typeface="+mn-cs"/>
         </a:defRPr>
       </a:lvl3pPr>
-      <a:lvl4pPr marL="1371600" algn="l" defTabSz="914400" rtl="0" eaLnBrk="1" latinLnBrk="1" hangingPunct="1">
-        <a:defRPr sz="1800" kern="1200">
+      <a:lvl4pPr marL="2138324" algn="l" defTabSz="1425550" rtl="0" eaLnBrk="1" latinLnBrk="1" hangingPunct="1">
+        <a:defRPr sz="2806" kern="1200">
           <a:solidFill>
             <a:schemeClr val="tx1"/>
           </a:solidFill>
@@ -2907,8 +2909,8 @@
           <a:cs typeface="+mn-cs"/>
         </a:defRPr>
       </a:lvl4pPr>
-      <a:lvl5pPr marL="1828800" algn="l" defTabSz="914400" rtl="0" eaLnBrk="1" latinLnBrk="1" hangingPunct="1">
-        <a:defRPr sz="1800" kern="1200">
+      <a:lvl5pPr marL="2851099" algn="l" defTabSz="1425550" rtl="0" eaLnBrk="1" latinLnBrk="1" hangingPunct="1">
+        <a:defRPr sz="2806" kern="1200">
           <a:solidFill>
             <a:schemeClr val="tx1"/>
           </a:solidFill>
@@ -2917,8 +2919,8 @@
           <a:cs typeface="+mn-cs"/>
         </a:defRPr>
       </a:lvl5pPr>
-      <a:lvl6pPr marL="2286000" algn="l" defTabSz="914400" rtl="0" eaLnBrk="1" latinLnBrk="1" hangingPunct="1">
-        <a:defRPr sz="1800" kern="1200">
+      <a:lvl6pPr marL="3563874" algn="l" defTabSz="1425550" rtl="0" eaLnBrk="1" latinLnBrk="1" hangingPunct="1">
+        <a:defRPr sz="2806" kern="1200">
           <a:solidFill>
             <a:schemeClr val="tx1"/>
           </a:solidFill>
@@ -2927,8 +2929,8 @@
           <a:cs typeface="+mn-cs"/>
         </a:defRPr>
       </a:lvl6pPr>
-      <a:lvl7pPr marL="2743200" algn="l" defTabSz="914400" rtl="0" eaLnBrk="1" latinLnBrk="1" hangingPunct="1">
-        <a:defRPr sz="1800" kern="1200">
+      <a:lvl7pPr marL="4276649" algn="l" defTabSz="1425550" rtl="0" eaLnBrk="1" latinLnBrk="1" hangingPunct="1">
+        <a:defRPr sz="2806" kern="1200">
           <a:solidFill>
             <a:schemeClr val="tx1"/>
           </a:solidFill>
@@ -2937,8 +2939,8 @@
           <a:cs typeface="+mn-cs"/>
         </a:defRPr>
       </a:lvl7pPr>
-      <a:lvl8pPr marL="3200400" algn="l" defTabSz="914400" rtl="0" eaLnBrk="1" latinLnBrk="1" hangingPunct="1">
-        <a:defRPr sz="1800" kern="1200">
+      <a:lvl8pPr marL="4989424" algn="l" defTabSz="1425550" rtl="0" eaLnBrk="1" latinLnBrk="1" hangingPunct="1">
+        <a:defRPr sz="2806" kern="1200">
           <a:solidFill>
             <a:schemeClr val="tx1"/>
           </a:solidFill>
@@ -2947,8 +2949,8 @@
           <a:cs typeface="+mn-cs"/>
         </a:defRPr>
       </a:lvl8pPr>
-      <a:lvl9pPr marL="3657600" algn="l" defTabSz="914400" rtl="0" eaLnBrk="1" latinLnBrk="1" hangingPunct="1">
-        <a:defRPr sz="1800" kern="1200">
+      <a:lvl9pPr marL="5702198" algn="l" defTabSz="1425550" rtl="0" eaLnBrk="1" latinLnBrk="1" hangingPunct="1">
+        <a:defRPr sz="2806" kern="1200">
           <a:solidFill>
             <a:schemeClr val="tx1"/>
           </a:solidFill>
@@ -3154,8 +3156,8 @@
         </p:nvSpPr>
         <p:spPr>
           <a:xfrm>
-            <a:off x="1685278" y="2220345"/>
-            <a:ext cx="9005612" cy="2124401"/>
+            <a:off x="565919" y="3530307"/>
+            <a:ext cx="14040000" cy="5400000"/>
           </a:xfrm>
           <a:prstGeom prst="rect">
             <a:avLst/>
@@ -3184,7 +3186,7 @@
           </a:fontRef>
         </p:style>
         <p:txBody>
-          <a:bodyPr rot="0" spcFirstLastPara="0" vertOverflow="overflow" horzOverflow="overflow" vert="horz" wrap="square" lIns="82940" tIns="41470" rIns="82940" bIns="41470" numCol="1" spcCol="0" rtlCol="0" fromWordArt="0" anchor="ctr" anchorCtr="0" forceAA="0" compatLnSpc="1">
+          <a:bodyPr rot="0" spcFirstLastPara="0" vertOverflow="overflow" horzOverflow="overflow" vert="horz" wrap="square" lIns="102854" tIns="51427" rIns="102854" bIns="51427" numCol="1" spcCol="0" rtlCol="0" fromWordArt="0" anchor="ctr" anchorCtr="0" forceAA="0" compatLnSpc="1">
             <a:prstTxWarp prst="textNoShape">
               <a:avLst/>
             </a:prstTxWarp>
@@ -3193,7 +3195,7 @@
           <a:lstStyle/>
           <a:p>
             <a:pPr algn="ctr"/>
-            <a:endParaRPr lang="ko-KR" altLang="en-US" sz="2308"/>
+            <a:endParaRPr lang="ko-KR" altLang="en-US" sz="2862"/>
           </a:p>
         </p:txBody>
       </p:sp>
@@ -3204,9 +3206,9 @@
           <p:nvPr/>
         </p:nvSpPr>
         <p:spPr>
-          <a:xfrm rot="5400000">
-            <a:off x="3415085" y="949553"/>
-            <a:ext cx="623465" cy="1500935"/>
+          <a:xfrm>
+            <a:off x="2275919" y="2399937"/>
+            <a:ext cx="2340000" cy="972000"/>
           </a:xfrm>
           <a:prstGeom prst="rect">
             <a:avLst/>
@@ -3235,7 +3237,7 @@
           </a:fontRef>
         </p:style>
         <p:txBody>
-          <a:bodyPr rot="0" spcFirstLastPara="0" vertOverflow="overflow" horzOverflow="overflow" vert="horz" wrap="square" lIns="82940" tIns="41470" rIns="82940" bIns="41470" numCol="1" spcCol="0" rtlCol="0" fromWordArt="0" anchor="ctr" anchorCtr="0" forceAA="0" compatLnSpc="1">
+          <a:bodyPr rot="0" spcFirstLastPara="0" vertOverflow="overflow" horzOverflow="overflow" vert="horz" wrap="square" lIns="102854" tIns="51427" rIns="102854" bIns="51427" numCol="1" spcCol="0" rtlCol="0" fromWordArt="0" anchor="ctr" anchorCtr="0" forceAA="0" compatLnSpc="1">
             <a:prstTxWarp prst="textNoShape">
               <a:avLst/>
             </a:prstTxWarp>
@@ -3244,7 +3246,7 @@
           <a:lstStyle/>
           <a:p>
             <a:pPr algn="ctr"/>
-            <a:endParaRPr lang="ko-KR" altLang="en-US" sz="2308"/>
+            <a:endParaRPr lang="ko-KR" altLang="en-US" sz="2862"/>
           </a:p>
         </p:txBody>
       </p:sp>
@@ -3256,8 +3258,8 @@
         </p:nvCxnSpPr>
         <p:spPr>
           <a:xfrm>
-            <a:off x="1685278" y="2220345"/>
-            <a:ext cx="577283" cy="0"/>
+            <a:off x="2089921" y="3847048"/>
+            <a:ext cx="715891" cy="0"/>
           </a:xfrm>
           <a:prstGeom prst="line">
             <a:avLst/>
@@ -3278,6 +3280,297 @@
           </a:fontRef>
         </p:style>
       </p:cxnSp>
+      <p:sp>
+        <p:nvSpPr>
+          <p:cNvPr id="2" name="직사각형 1"/>
+          <p:cNvSpPr/>
+          <p:nvPr/>
+        </p:nvSpPr>
+        <p:spPr>
+          <a:xfrm>
+            <a:off x="565919" y="3530307"/>
+            <a:ext cx="2880000" cy="5400000"/>
+          </a:xfrm>
+          <a:prstGeom prst="rect">
+            <a:avLst/>
+          </a:prstGeom>
+          <a:solidFill>
+            <a:schemeClr val="accent3"/>
+          </a:solidFill>
+          <a:ln>
+            <a:noFill/>
+          </a:ln>
+        </p:spPr>
+        <p:style>
+          <a:lnRef idx="2">
+            <a:schemeClr val="accent1">
+              <a:shade val="50000"/>
+            </a:schemeClr>
+          </a:lnRef>
+          <a:fillRef idx="1">
+            <a:schemeClr val="accent1"/>
+          </a:fillRef>
+          <a:effectRef idx="0">
+            <a:schemeClr val="accent1"/>
+          </a:effectRef>
+          <a:fontRef idx="minor">
+            <a:schemeClr val="lt1"/>
+          </a:fontRef>
+        </p:style>
+        <p:txBody>
+          <a:bodyPr rtlCol="0" anchor="ctr"/>
+          <a:lstStyle/>
+          <a:p>
+            <a:pPr algn="ctr"/>
+            <a:endParaRPr lang="ko-KR" altLang="en-US"/>
+          </a:p>
+        </p:txBody>
+      </p:sp>
+      <p:sp>
+        <p:nvSpPr>
+          <p:cNvPr id="6" name="직사각형 5"/>
+          <p:cNvSpPr/>
+          <p:nvPr/>
+        </p:nvSpPr>
+        <p:spPr>
+          <a:xfrm>
+            <a:off x="11725919" y="3530307"/>
+            <a:ext cx="2880000" cy="5400000"/>
+          </a:xfrm>
+          <a:prstGeom prst="rect">
+            <a:avLst/>
+          </a:prstGeom>
+          <a:solidFill>
+            <a:schemeClr val="accent3"/>
+          </a:solidFill>
+          <a:ln>
+            <a:noFill/>
+          </a:ln>
+        </p:spPr>
+        <p:style>
+          <a:lnRef idx="2">
+            <a:schemeClr val="accent1">
+              <a:shade val="50000"/>
+            </a:schemeClr>
+          </a:lnRef>
+          <a:fillRef idx="1">
+            <a:schemeClr val="accent1"/>
+          </a:fillRef>
+          <a:effectRef idx="0">
+            <a:schemeClr val="accent1"/>
+          </a:effectRef>
+          <a:fontRef idx="minor">
+            <a:schemeClr val="lt1"/>
+          </a:fontRef>
+        </p:style>
+        <p:txBody>
+          <a:bodyPr rtlCol="0" anchor="ctr"/>
+          <a:lstStyle/>
+          <a:p>
+            <a:pPr algn="ctr"/>
+            <a:endParaRPr lang="ko-KR" altLang="en-US"/>
+          </a:p>
+        </p:txBody>
+      </p:sp>
+      <p:sp>
+        <p:nvSpPr>
+          <p:cNvPr id="8" name="직사각형 7"/>
+          <p:cNvSpPr/>
+          <p:nvPr/>
+        </p:nvSpPr>
+        <p:spPr>
+          <a:xfrm>
+            <a:off x="10555919" y="2399937"/>
+            <a:ext cx="2340000" cy="972000"/>
+          </a:xfrm>
+          <a:prstGeom prst="rect">
+            <a:avLst/>
+          </a:prstGeom>
+          <a:solidFill>
+            <a:schemeClr val="tx1"/>
+          </a:solidFill>
+          <a:ln w="38100">
+            <a:noFill/>
+          </a:ln>
+        </p:spPr>
+        <p:style>
+          <a:lnRef idx="2">
+            <a:schemeClr val="accent1">
+              <a:shade val="50000"/>
+            </a:schemeClr>
+          </a:lnRef>
+          <a:fillRef idx="1">
+            <a:schemeClr val="accent1"/>
+          </a:fillRef>
+          <a:effectRef idx="0">
+            <a:schemeClr val="accent1"/>
+          </a:effectRef>
+          <a:fontRef idx="minor">
+            <a:schemeClr val="lt1"/>
+          </a:fontRef>
+        </p:style>
+        <p:txBody>
+          <a:bodyPr rot="0" spcFirstLastPara="0" vertOverflow="overflow" horzOverflow="overflow" vert="horz" wrap="square" lIns="102854" tIns="51427" rIns="102854" bIns="51427" numCol="1" spcCol="0" rtlCol="0" fromWordArt="0" anchor="ctr" anchorCtr="0" forceAA="0" compatLnSpc="1">
+            <a:prstTxWarp prst="textNoShape">
+              <a:avLst/>
+            </a:prstTxWarp>
+            <a:noAutofit/>
+          </a:bodyPr>
+          <a:lstStyle/>
+          <a:p>
+            <a:pPr algn="ctr"/>
+            <a:endParaRPr lang="ko-KR" altLang="en-US" sz="2862"/>
+          </a:p>
+        </p:txBody>
+      </p:sp>
+      <p:sp>
+        <p:nvSpPr>
+          <p:cNvPr id="9" name="직사각형 8"/>
+          <p:cNvSpPr/>
+          <p:nvPr/>
+        </p:nvSpPr>
+        <p:spPr>
+          <a:xfrm>
+            <a:off x="2275919" y="9088677"/>
+            <a:ext cx="2340000" cy="972000"/>
+          </a:xfrm>
+          <a:prstGeom prst="rect">
+            <a:avLst/>
+          </a:prstGeom>
+          <a:solidFill>
+            <a:schemeClr val="tx1"/>
+          </a:solidFill>
+          <a:ln w="38100">
+            <a:noFill/>
+          </a:ln>
+        </p:spPr>
+        <p:style>
+          <a:lnRef idx="2">
+            <a:schemeClr val="accent1">
+              <a:shade val="50000"/>
+            </a:schemeClr>
+          </a:lnRef>
+          <a:fillRef idx="1">
+            <a:schemeClr val="accent1"/>
+          </a:fillRef>
+          <a:effectRef idx="0">
+            <a:schemeClr val="accent1"/>
+          </a:effectRef>
+          <a:fontRef idx="minor">
+            <a:schemeClr val="lt1"/>
+          </a:fontRef>
+        </p:style>
+        <p:txBody>
+          <a:bodyPr rot="0" spcFirstLastPara="0" vertOverflow="overflow" horzOverflow="overflow" vert="horz" wrap="square" lIns="102854" tIns="51427" rIns="102854" bIns="51427" numCol="1" spcCol="0" rtlCol="0" fromWordArt="0" anchor="ctr" anchorCtr="0" forceAA="0" compatLnSpc="1">
+            <a:prstTxWarp prst="textNoShape">
+              <a:avLst/>
+            </a:prstTxWarp>
+            <a:noAutofit/>
+          </a:bodyPr>
+          <a:lstStyle/>
+          <a:p>
+            <a:pPr algn="ctr"/>
+            <a:endParaRPr lang="ko-KR" altLang="en-US" sz="2862"/>
+          </a:p>
+        </p:txBody>
+      </p:sp>
+      <p:sp>
+        <p:nvSpPr>
+          <p:cNvPr id="10" name="직사각형 9"/>
+          <p:cNvSpPr/>
+          <p:nvPr/>
+        </p:nvSpPr>
+        <p:spPr>
+          <a:xfrm>
+            <a:off x="10555919" y="9088677"/>
+            <a:ext cx="2340000" cy="972000"/>
+          </a:xfrm>
+          <a:prstGeom prst="rect">
+            <a:avLst/>
+          </a:prstGeom>
+          <a:solidFill>
+            <a:schemeClr val="tx1"/>
+          </a:solidFill>
+          <a:ln w="38100">
+            <a:noFill/>
+          </a:ln>
+        </p:spPr>
+        <p:style>
+          <a:lnRef idx="2">
+            <a:schemeClr val="accent1">
+              <a:shade val="50000"/>
+            </a:schemeClr>
+          </a:lnRef>
+          <a:fillRef idx="1">
+            <a:schemeClr val="accent1"/>
+          </a:fillRef>
+          <a:effectRef idx="0">
+            <a:schemeClr val="accent1"/>
+          </a:effectRef>
+          <a:fontRef idx="minor">
+            <a:schemeClr val="lt1"/>
+          </a:fontRef>
+        </p:style>
+        <p:txBody>
+          <a:bodyPr rot="0" spcFirstLastPara="0" vertOverflow="overflow" horzOverflow="overflow" vert="horz" wrap="square" lIns="102854" tIns="51427" rIns="102854" bIns="51427" numCol="1" spcCol="0" rtlCol="0" fromWordArt="0" anchor="ctr" anchorCtr="0" forceAA="0" compatLnSpc="1">
+            <a:prstTxWarp prst="textNoShape">
+              <a:avLst/>
+            </a:prstTxWarp>
+            <a:noAutofit/>
+          </a:bodyPr>
+          <a:lstStyle/>
+          <a:p>
+            <a:pPr algn="ctr"/>
+            <a:endParaRPr lang="ko-KR" altLang="en-US" sz="2862"/>
+          </a:p>
+        </p:txBody>
+      </p:sp>
+      <p:sp>
+        <p:nvSpPr>
+          <p:cNvPr id="3" name="직사각형 2"/>
+          <p:cNvSpPr/>
+          <p:nvPr/>
+        </p:nvSpPr>
+        <p:spPr>
+          <a:xfrm>
+            <a:off x="3765972" y="3530307"/>
+            <a:ext cx="381958" cy="5400000"/>
+          </a:xfrm>
+          <a:prstGeom prst="rect">
+            <a:avLst/>
+          </a:prstGeom>
+          <a:solidFill>
+            <a:schemeClr val="bg2"/>
+          </a:solidFill>
+          <a:ln>
+            <a:noFill/>
+          </a:ln>
+        </p:spPr>
+        <p:style>
+          <a:lnRef idx="2">
+            <a:schemeClr val="accent1">
+              <a:shade val="50000"/>
+            </a:schemeClr>
+          </a:lnRef>
+          <a:fillRef idx="1">
+            <a:schemeClr val="accent1"/>
+          </a:fillRef>
+          <a:effectRef idx="0">
+            <a:schemeClr val="accent1"/>
+          </a:effectRef>
+          <a:fontRef idx="minor">
+            <a:schemeClr val="lt1"/>
+          </a:fontRef>
+        </p:style>
+        <p:txBody>
+          <a:bodyPr rtlCol="0" anchor="ctr"/>
+          <a:lstStyle/>
+          <a:p>
+            <a:pPr algn="ctr"/>
+            <a:endParaRPr lang="ko-KR" altLang="en-US"/>
+          </a:p>
+        </p:txBody>
+      </p:sp>
     </p:spTree>
     <p:extLst>
       <p:ext uri="{BB962C8B-B14F-4D97-AF65-F5344CB8AC3E}">
@@ -3573,8 +3866,8 @@
         </p:blipFill>
         <p:spPr>
           <a:xfrm>
-            <a:off x="4323369" y="2285166"/>
-            <a:ext cx="7030431" cy="4353533"/>
+            <a:off x="5361428" y="3927434"/>
+            <a:ext cx="8718467" cy="5398834"/>
           </a:xfrm>
           <a:prstGeom prst="rect">
             <a:avLst/>
@@ -3669,8 +3962,8 @@
         </p:blipFill>
         <p:spPr>
           <a:xfrm>
-            <a:off x="5881880" y="188165"/>
-            <a:ext cx="6235415" cy="4460056"/>
+            <a:off x="7294145" y="1326933"/>
+            <a:ext cx="7732564" cy="5530934"/>
           </a:xfrm>
           <a:prstGeom prst="rect">
             <a:avLst/>
@@ -3693,8 +3986,8 @@
         </p:blipFill>
         <p:spPr>
           <a:xfrm>
-            <a:off x="283625" y="4130005"/>
-            <a:ext cx="5672496" cy="2598090"/>
+            <a:off x="351725" y="6215225"/>
+            <a:ext cx="7034486" cy="3221902"/>
           </a:xfrm>
           <a:prstGeom prst="rect">
             <a:avLst/>
@@ -3717,8 +4010,8 @@
         </p:blipFill>
         <p:spPr>
           <a:xfrm>
-            <a:off x="7470475" y="4648221"/>
-            <a:ext cx="3423946" cy="2305813"/>
+            <a:off x="9264167" y="6857868"/>
+            <a:ext cx="4246050" cy="2859448"/>
           </a:xfrm>
           <a:prstGeom prst="rect">
             <a:avLst/>
@@ -3828,8 +4121,8 @@
         </p:blipFill>
         <p:spPr>
           <a:xfrm>
-            <a:off x="196475" y="2202024"/>
-            <a:ext cx="5804275" cy="4503576"/>
+            <a:off x="243650" y="3824328"/>
+            <a:ext cx="7197906" cy="5584903"/>
           </a:xfrm>
           <a:prstGeom prst="rect">
             <a:avLst/>
@@ -3928,8 +4221,8 @@
         </p:blipFill>
         <p:spPr>
           <a:xfrm>
-            <a:off x="6096000" y="365125"/>
-            <a:ext cx="4328232" cy="6315188"/>
+            <a:off x="7559675" y="1546382"/>
+            <a:ext cx="5367459" cy="7831491"/>
           </a:xfrm>
           <a:prstGeom prst="rect">
             <a:avLst/>
@@ -3952,8 +4245,8 @@
         </p:blipFill>
         <p:spPr>
           <a:xfrm>
-            <a:off x="385333" y="2527689"/>
-            <a:ext cx="5463018" cy="3900949"/>
+            <a:off x="477853" y="4228187"/>
+            <a:ext cx="6774711" cy="4837583"/>
           </a:xfrm>
           <a:prstGeom prst="rect">
             <a:avLst/>
@@ -4048,8 +4341,8 @@
         </p:blipFill>
         <p:spPr>
           <a:xfrm>
-            <a:off x="6726292" y="0"/>
-            <a:ext cx="4715238" cy="6494247"/>
+            <a:off x="8341303" y="1093589"/>
+            <a:ext cx="5847386" cy="8053543"/>
           </a:xfrm>
           <a:prstGeom prst="rect">
             <a:avLst/>
@@ -4072,8 +4365,8 @@
         </p:blipFill>
         <p:spPr>
           <a:xfrm>
-            <a:off x="315966" y="3992647"/>
-            <a:ext cx="5634790" cy="1757386"/>
+            <a:off x="391831" y="6044887"/>
+            <a:ext cx="6987727" cy="2179342"/>
           </a:xfrm>
           <a:prstGeom prst="rect">
             <a:avLst/>
@@ -4168,7 +4461,7 @@
 <file path=ppt/theme/theme1.xml><?xml version="1.0" encoding="utf-8"?>
 <a:theme xmlns:a="http://schemas.openxmlformats.org/drawingml/2006/main" name="Office 테마">
   <a:themeElements>
-    <a:clrScheme name="Office">
+    <a:clrScheme name="Office 테마">
       <a:dk1>
         <a:sysClr val="windowText" lastClr="000000"/>
       </a:dk1>
@@ -4206,9 +4499,9 @@
         <a:srgbClr val="954F72"/>
       </a:folHlink>
     </a:clrScheme>
-    <a:fontScheme name="Office">
+    <a:fontScheme name="Office 테마">
       <a:majorFont>
-        <a:latin typeface="맑은 고딕" panose="020F0302020204030204"/>
+        <a:latin typeface="Calibri Light" panose="020F0302020204030204"/>
         <a:ea typeface=""/>
         <a:cs typeface=""/>
         <a:font script="Jpan" typeface="游ゴシック Light"/>
@@ -4243,7 +4536,7 @@
         <a:font script="Geor" typeface="Sylfaen"/>
       </a:majorFont>
       <a:minorFont>
-        <a:latin typeface="맑은 고딕" panose="020F0502020204030204"/>
+        <a:latin typeface="Calibri" panose="020F0502020204030204"/>
         <a:ea typeface=""/>
         <a:cs typeface=""/>
         <a:font script="Jpan" typeface="游ゴシック"/>
@@ -4278,7 +4571,7 @@
         <a:font script="Geor" typeface="Sylfaen"/>
       </a:minorFont>
     </a:fontScheme>
-    <a:fmtScheme name="Office">
+    <a:fmtScheme name="Office 테마">
       <a:fillStyleLst>
         <a:solidFill>
           <a:schemeClr val="phClr"/>
